--- a/20151126_epfl-library_text-mining.pptx
+++ b/20151126_epfl-library_text-mining.pptx
@@ -5,24 +5,23 @@
     <p:sldMasterId id="2147483648" r:id="rId2"/>
   </p:sldMasterIdLst>
   <p:notesMasterIdLst>
-    <p:notesMasterId r:id="rId15"/>
+    <p:notesMasterId r:id="rId14"/>
   </p:notesMasterIdLst>
   <p:handoutMasterIdLst>
-    <p:handoutMasterId r:id="rId16"/>
+    <p:handoutMasterId r:id="rId15"/>
   </p:handoutMasterIdLst>
   <p:sldIdLst>
     <p:sldId id="256" r:id="rId3"/>
     <p:sldId id="268" r:id="rId4"/>
-    <p:sldId id="271" r:id="rId5"/>
-    <p:sldId id="279" r:id="rId6"/>
-    <p:sldId id="278" r:id="rId7"/>
-    <p:sldId id="274" r:id="rId8"/>
-    <p:sldId id="273" r:id="rId9"/>
-    <p:sldId id="275" r:id="rId10"/>
-    <p:sldId id="277" r:id="rId11"/>
-    <p:sldId id="272" r:id="rId12"/>
-    <p:sldId id="269" r:id="rId13"/>
-    <p:sldId id="270" r:id="rId14"/>
+    <p:sldId id="281" r:id="rId5"/>
+    <p:sldId id="280" r:id="rId6"/>
+    <p:sldId id="271" r:id="rId7"/>
+    <p:sldId id="278" r:id="rId8"/>
+    <p:sldId id="274" r:id="rId9"/>
+    <p:sldId id="273" r:id="rId10"/>
+    <p:sldId id="275" r:id="rId11"/>
+    <p:sldId id="277" r:id="rId12"/>
+    <p:sldId id="272" r:id="rId13"/>
   </p:sldIdLst>
   <p:sldSz cx="9144000" cy="6858000" type="screen4x3"/>
   <p:notesSz cx="6858000" cy="9144000"/>
@@ -206,7 +205,7 @@
           <a:p>
             <a:fld id="{607FE31D-8BF4-8B45-A2DB-4ECE1039C5E1}" type="datetimeFigureOut">
               <a:rPr lang="en-US" smtClean="0"/>
-              <a:t>11/19/15</a:t>
+              <a:t>11/26/15</a:t>
             </a:fld>
             <a:endParaRPr lang="en-US"/>
           </a:p>
@@ -372,7 +371,7 @@
             <a:fld id="{05324B68-C50C-418A-B395-5744EBF524F4}" type="datetimeFigureOut">
               <a:rPr lang="en-US" smtClean="0"/>
               <a:pPr/>
-              <a:t>11/19/15</a:t>
+              <a:t>11/26/15</a:t>
             </a:fld>
             <a:endParaRPr lang="en-US"/>
           </a:p>
@@ -924,7 +923,7 @@
             <a:fld id="{3B4401F4-0DBF-43F4-86CD-FD1102A3BEF7}" type="datetimeFigureOut">
               <a:rPr lang="en-US" smtClean="0"/>
               <a:pPr/>
-              <a:t>11/19/15</a:t>
+              <a:t>11/26/15</a:t>
             </a:fld>
             <a:endParaRPr lang="en-US"/>
           </a:p>
@@ -1161,7 +1160,7 @@
             <a:fld id="{3B4401F4-0DBF-43F4-86CD-FD1102A3BEF7}" type="datetimeFigureOut">
               <a:rPr lang="en-US" smtClean="0"/>
               <a:pPr/>
-              <a:t>11/19/15</a:t>
+              <a:t>11/26/15</a:t>
             </a:fld>
             <a:endParaRPr lang="en-US" dirty="0"/>
           </a:p>
@@ -1395,7 +1394,7 @@
             <a:fld id="{3B4401F4-0DBF-43F4-86CD-FD1102A3BEF7}" type="datetimeFigureOut">
               <a:rPr lang="en-US" smtClean="0"/>
               <a:pPr/>
-              <a:t>11/19/15</a:t>
+              <a:t>11/26/15</a:t>
             </a:fld>
             <a:endParaRPr lang="en-US"/>
           </a:p>
@@ -1916,1231 +1915,18 @@
           <a:lstStyle/>
           <a:p>
             <a:r>
-              <a:rPr lang="en-US" dirty="0" smtClean="0"/>
-              <a:t>Introduction: Minimum Viable Product</a:t>
-            </a:r>
-            <a:endParaRPr lang="en-US" dirty="0"/>
-          </a:p>
-        </p:txBody>
-      </p:sp>
-      <p:sp>
-        <p:nvSpPr>
-          <p:cNvPr id="4" name="Rectangle 3"/>
-          <p:cNvSpPr/>
-          <p:nvPr/>
-        </p:nvSpPr>
-        <p:spPr>
-          <a:xfrm>
-            <a:off x="4087996" y="3244334"/>
-            <a:ext cx="968008" cy="369332"/>
-          </a:xfrm>
-          <a:prstGeom prst="rect">
-            <a:avLst/>
-          </a:prstGeom>
-        </p:spPr>
-        <p:txBody>
-          <a:bodyPr wrap="none">
-            <a:spAutoFit/>
-          </a:bodyPr>
-          <a:lstStyle/>
-          <a:p>
-            <a:r>
-              <a:rPr lang="en-US" dirty="0" err="1"/>
-              <a:t>mvp.jpg</a:t>
-            </a:r>
-            <a:endParaRPr lang="en-US" dirty="0"/>
-          </a:p>
-        </p:txBody>
-      </p:sp>
-      <p:pic>
-        <p:nvPicPr>
-          <p:cNvPr id="5" name="Picture 4" descr="mvp.jpg"/>
-          <p:cNvPicPr>
-            <a:picLocks noChangeAspect="1"/>
-          </p:cNvPicPr>
-          <p:nvPr/>
-        </p:nvPicPr>
-        <p:blipFill>
-          <a:blip r:embed="rId2">
-            <a:extLst>
-              <a:ext uri="{28A0092B-C50C-407E-A947-70E740481C1C}">
-                <a14:useLocalDpi xmlns:a14="http://schemas.microsoft.com/office/drawing/2010/main" val="0"/>
-              </a:ext>
-            </a:extLst>
-          </a:blip>
-          <a:stretch>
-            <a:fillRect/>
-          </a:stretch>
-        </p:blipFill>
-        <p:spPr>
-          <a:xfrm>
-            <a:off x="1295400" y="1295400"/>
-            <a:ext cx="6350000" cy="5359400"/>
-          </a:xfrm>
-          <a:prstGeom prst="rect">
-            <a:avLst/>
-          </a:prstGeom>
-        </p:spPr>
-      </p:pic>
-    </p:spTree>
-    <p:extLst>
-      <p:ext uri="{BB962C8B-B14F-4D97-AF65-F5344CB8AC3E}">
-        <p14:creationId xmlns:p14="http://schemas.microsoft.com/office/powerpoint/2010/main" val="4233395997"/>
-      </p:ext>
-    </p:extLst>
-  </p:cSld>
-  <p:clrMapOvr>
-    <a:masterClrMapping/>
-  </p:clrMapOvr>
-  <p:timing>
-    <p:tnLst>
-      <p:par>
-        <p:cTn xmlns:p14="http://schemas.microsoft.com/office/powerpoint/2010/main" id="1" dur="indefinite" restart="never" nodeType="tmRoot"/>
-      </p:par>
-    </p:tnLst>
-  </p:timing>
-</p:sld>
-</file>
-
-<file path=ppt/slides/slide11.xml><?xml version="1.0" encoding="utf-8"?>
-<p:sld xmlns:a="http://schemas.openxmlformats.org/drawingml/2006/main" xmlns:r="http://schemas.openxmlformats.org/officeDocument/2006/relationships" xmlns:p="http://schemas.openxmlformats.org/presentationml/2006/main">
-  <p:cSld>
-    <p:spTree>
-      <p:nvGrpSpPr>
-        <p:cNvPr id="1" name=""/>
-        <p:cNvGrpSpPr/>
-        <p:nvPr/>
-      </p:nvGrpSpPr>
-      <p:grpSpPr>
-        <a:xfrm>
-          <a:off x="0" y="0"/>
-          <a:ext cx="0" cy="0"/>
-          <a:chOff x="0" y="0"/>
-          <a:chExt cx="0" cy="0"/>
-        </a:xfrm>
-      </p:grpSpPr>
-      <p:sp>
-        <p:nvSpPr>
-          <p:cNvPr id="2" name="Title 1"/>
-          <p:cNvSpPr>
-            <a:spLocks noGrp="1"/>
-          </p:cNvSpPr>
-          <p:nvPr>
-            <p:ph type="title"/>
-          </p:nvPr>
-        </p:nvSpPr>
-        <p:spPr/>
-        <p:txBody>
-          <a:bodyPr/>
-          <a:lstStyle/>
-          <a:p>
-            <a:r>
-              <a:rPr lang="en-US" dirty="0" smtClean="0"/>
-              <a:t>Your </a:t>
-            </a:r>
-            <a:r>
-              <a:rPr lang="en-US" dirty="0" err="1" smtClean="0"/>
-              <a:t>usecases</a:t>
-            </a:r>
-            <a:endParaRPr lang="en-US" dirty="0"/>
-          </a:p>
-        </p:txBody>
-      </p:sp>
-      <p:sp>
-        <p:nvSpPr>
-          <p:cNvPr id="3" name="Content Placeholder 2"/>
-          <p:cNvSpPr>
-            <a:spLocks noGrp="1"/>
-          </p:cNvSpPr>
-          <p:nvPr>
-            <p:ph idx="1"/>
-          </p:nvPr>
-        </p:nvSpPr>
-        <p:spPr>
-          <a:xfrm>
-            <a:off x="152400" y="1066800"/>
-            <a:ext cx="8991600" cy="5562600"/>
-          </a:xfrm>
-        </p:spPr>
-        <p:txBody>
-          <a:bodyPr>
-            <a:normAutofit fontScale="92500" lnSpcReduction="10000"/>
-          </a:bodyPr>
-          <a:lstStyle/>
-          <a:p>
-            <a:pPr>
-              <a:buFont typeface="Arial"/>
-              <a:buChar char="•"/>
-            </a:pPr>
-            <a:r>
-              <a:rPr lang="en-US" dirty="0"/>
-              <a:t>Each participant will take 5 min (alone or in small groups) to present a text-mining project that is relevant to her/his </a:t>
-            </a:r>
-            <a:r>
-              <a:rPr lang="en-US" dirty="0" smtClean="0"/>
-              <a:t>work</a:t>
-            </a:r>
-          </a:p>
-          <a:p>
-            <a:pPr>
-              <a:lnSpc>
-                <a:spcPct val="130000"/>
-              </a:lnSpc>
-              <a:buFont typeface="Arial"/>
-              <a:buChar char="•"/>
-            </a:pPr>
-            <a:r>
-              <a:rPr lang="en-US" dirty="0" smtClean="0"/>
-              <a:t>We </a:t>
-            </a:r>
-            <a:r>
-              <a:rPr lang="en-US" dirty="0"/>
-              <a:t>will then briefly discuss together potential strategies and </a:t>
-            </a:r>
-            <a:r>
-              <a:rPr lang="en-US" dirty="0" smtClean="0"/>
-              <a:t>solutions</a:t>
-            </a:r>
-          </a:p>
-          <a:p>
-            <a:pPr>
-              <a:buFont typeface="Arial"/>
-              <a:buChar char="•"/>
-            </a:pPr>
-            <a:r>
-              <a:rPr lang="en-US" dirty="0" smtClean="0"/>
-              <a:t>The </a:t>
-            </a:r>
-            <a:r>
-              <a:rPr lang="en-US" dirty="0"/>
-              <a:t>presentation strictly follows the following 5 simple sentences (max 600 characters)</a:t>
-            </a:r>
-            <a:r>
-              <a:rPr lang="en-US" dirty="0" smtClean="0"/>
-              <a:t>:</a:t>
-            </a:r>
-            <a:endParaRPr lang="en-US" dirty="0"/>
-          </a:p>
-          <a:p>
-            <a:pPr lvl="1"/>
-            <a:endParaRPr lang="en-US" u="sng" dirty="0" smtClean="0"/>
-          </a:p>
-          <a:p>
-            <a:pPr lvl="1"/>
-            <a:r>
-              <a:rPr lang="en-US" u="sng" dirty="0" smtClean="0"/>
-              <a:t>We </a:t>
-            </a:r>
-            <a:r>
-              <a:rPr lang="en-US" u="sng" dirty="0"/>
-              <a:t>are </a:t>
-            </a:r>
-            <a:r>
-              <a:rPr lang="en-US" sz="1700" dirty="0"/>
-              <a:t>[WHO IS YOUR TEAM?, WHAT ARE YOUR COMPETENCES?]</a:t>
-            </a:r>
-          </a:p>
-          <a:p>
-            <a:pPr lvl="1"/>
-            <a:r>
-              <a:rPr lang="en-US" u="sng" dirty="0" smtClean="0"/>
-              <a:t>Our </a:t>
-            </a:r>
-            <a:r>
-              <a:rPr lang="en-US" u="sng" dirty="0"/>
-              <a:t>goal is </a:t>
-            </a:r>
-            <a:r>
-              <a:rPr lang="en-US" sz="1800" dirty="0"/>
-              <a:t>[WHAT IS YOUR GOAL?]</a:t>
-            </a:r>
-          </a:p>
-          <a:p>
-            <a:pPr lvl="1"/>
-            <a:r>
-              <a:rPr lang="en-US" u="sng" dirty="0" smtClean="0"/>
-              <a:t>So </a:t>
-            </a:r>
-            <a:r>
-              <a:rPr lang="en-US" u="sng" dirty="0"/>
-              <a:t>far, we </a:t>
-            </a:r>
-            <a:r>
-              <a:rPr lang="en-US" sz="1800" dirty="0"/>
-              <a:t>[DESCRIBE CURRENT SOLUTION]</a:t>
-            </a:r>
-          </a:p>
-          <a:p>
-            <a:pPr lvl="1"/>
-            <a:r>
-              <a:rPr lang="en-US" u="sng" dirty="0" smtClean="0"/>
-              <a:t>But </a:t>
-            </a:r>
-            <a:r>
-              <a:rPr lang="en-US" u="sng" dirty="0"/>
-              <a:t>it does not work because </a:t>
-            </a:r>
-            <a:r>
-              <a:rPr lang="en-US" sz="1800" dirty="0"/>
-              <a:t>[WHY IS CURRENT </a:t>
-            </a:r>
-            <a:r>
-              <a:rPr lang="en-US" sz="1800" dirty="0" smtClean="0"/>
-              <a:t>SOL. INSUFFICIENT</a:t>
-            </a:r>
-            <a:r>
-              <a:rPr lang="en-US" sz="1800" dirty="0"/>
-              <a:t>?]</a:t>
-            </a:r>
-            <a:endParaRPr lang="en-US" dirty="0"/>
-          </a:p>
-          <a:p>
-            <a:pPr lvl="1"/>
-            <a:r>
-              <a:rPr lang="en-US" dirty="0" smtClean="0"/>
-              <a:t>Now</a:t>
-            </a:r>
-            <a:r>
-              <a:rPr lang="en-US" dirty="0"/>
-              <a:t>, we would like to </a:t>
-            </a:r>
-            <a:r>
-              <a:rPr lang="en-US" sz="1800" dirty="0"/>
-              <a:t>[DESCRIBE YOUR IDEA TO MAKE IT WORK]</a:t>
-            </a:r>
-            <a:endParaRPr lang="en-US" dirty="0" smtClean="0"/>
-          </a:p>
-        </p:txBody>
-      </p:sp>
-    </p:spTree>
-    <p:extLst>
-      <p:ext uri="{BB962C8B-B14F-4D97-AF65-F5344CB8AC3E}">
-        <p14:creationId xmlns:p14="http://schemas.microsoft.com/office/powerpoint/2010/main" val="4233574871"/>
-      </p:ext>
-    </p:extLst>
-  </p:cSld>
-  <p:clrMapOvr>
-    <a:masterClrMapping/>
-  </p:clrMapOvr>
-  <p:timing>
-    <p:tnLst>
-      <p:par>
-        <p:cTn xmlns:p14="http://schemas.microsoft.com/office/powerpoint/2010/main" id="1" dur="indefinite" restart="never" nodeType="tmRoot"/>
-      </p:par>
-    </p:tnLst>
-  </p:timing>
-</p:sld>
-</file>
-
-<file path=ppt/slides/slide12.xml><?xml version="1.0" encoding="utf-8"?>
-<p:sld xmlns:a="http://schemas.openxmlformats.org/drawingml/2006/main" xmlns:r="http://schemas.openxmlformats.org/officeDocument/2006/relationships" xmlns:p="http://schemas.openxmlformats.org/presentationml/2006/main">
-  <p:cSld>
-    <p:spTree>
-      <p:nvGrpSpPr>
-        <p:cNvPr id="1" name=""/>
-        <p:cNvGrpSpPr/>
-        <p:nvPr/>
-      </p:nvGrpSpPr>
-      <p:grpSpPr>
-        <a:xfrm>
-          <a:off x="0" y="0"/>
-          <a:ext cx="0" cy="0"/>
-          <a:chOff x="0" y="0"/>
-          <a:chExt cx="0" cy="0"/>
-        </a:xfrm>
-      </p:grpSpPr>
-      <p:sp>
-        <p:nvSpPr>
-          <p:cNvPr id="2" name="Title 1"/>
-          <p:cNvSpPr>
-            <a:spLocks noGrp="1"/>
-          </p:cNvSpPr>
-          <p:nvPr>
-            <p:ph type="title"/>
-          </p:nvPr>
-        </p:nvSpPr>
-        <p:spPr/>
-        <p:txBody>
-          <a:bodyPr/>
-          <a:lstStyle/>
-          <a:p>
-            <a:r>
-              <a:rPr lang="en-US" dirty="0" smtClean="0"/>
-              <a:t>Your </a:t>
-            </a:r>
-            <a:r>
-              <a:rPr lang="en-US" dirty="0" err="1" smtClean="0"/>
-              <a:t>usecases</a:t>
-            </a:r>
-            <a:r>
-              <a:rPr lang="en-US" dirty="0" smtClean="0"/>
-              <a:t>: Example	</a:t>
-            </a:r>
-            <a:endParaRPr lang="en-US" dirty="0"/>
-          </a:p>
-        </p:txBody>
-      </p:sp>
-      <p:sp>
-        <p:nvSpPr>
-          <p:cNvPr id="3" name="Content Placeholder 2"/>
-          <p:cNvSpPr>
-            <a:spLocks noGrp="1"/>
-          </p:cNvSpPr>
-          <p:nvPr>
-            <p:ph idx="1"/>
-          </p:nvPr>
-        </p:nvSpPr>
-        <p:spPr>
-          <a:xfrm>
-            <a:off x="457200" y="1066800"/>
-            <a:ext cx="8534400" cy="5562600"/>
-          </a:xfrm>
-        </p:spPr>
-        <p:txBody>
-          <a:bodyPr>
-            <a:normAutofit fontScale="92500" lnSpcReduction="10000"/>
-          </a:bodyPr>
-          <a:lstStyle/>
-          <a:p>
-            <a:pPr>
-              <a:lnSpc>
-                <a:spcPct val="120000"/>
-              </a:lnSpc>
-              <a:buFont typeface="Arial"/>
-              <a:buChar char="•"/>
-            </a:pPr>
-            <a:r>
-              <a:rPr lang="en-US" u="sng" dirty="0" smtClean="0"/>
-              <a:t>We </a:t>
-            </a:r>
-            <a:r>
-              <a:rPr lang="en-US" u="sng" dirty="0"/>
-              <a:t>are </a:t>
-            </a:r>
-            <a:r>
-              <a:rPr lang="en-US" dirty="0"/>
-              <a:t>a team of 2 PhDs (1 neuroscientist, 1 NLP expert) and 2 CS Masters students</a:t>
-            </a:r>
-          </a:p>
-          <a:p>
-            <a:pPr>
-              <a:lnSpc>
-                <a:spcPct val="120000"/>
-              </a:lnSpc>
-              <a:buFont typeface="Arial"/>
-              <a:buChar char="•"/>
-            </a:pPr>
-            <a:r>
-              <a:rPr lang="en-US" u="sng" dirty="0" smtClean="0"/>
-              <a:t>Our </a:t>
-            </a:r>
-            <a:r>
-              <a:rPr lang="en-US" u="sng" dirty="0"/>
-              <a:t>goal is</a:t>
-            </a:r>
-            <a:r>
-              <a:rPr lang="en-US" dirty="0"/>
-              <a:t> to extract brain region connectivity </a:t>
-            </a:r>
-            <a:r>
-              <a:rPr lang="en-US" dirty="0" smtClean="0"/>
-              <a:t>from </a:t>
-            </a:r>
-            <a:r>
-              <a:rPr lang="en-US" dirty="0"/>
-              <a:t>scientific publications</a:t>
-            </a:r>
-          </a:p>
-          <a:p>
-            <a:pPr>
-              <a:lnSpc>
-                <a:spcPct val="120000"/>
-              </a:lnSpc>
-              <a:buFont typeface="Arial"/>
-              <a:buChar char="•"/>
-            </a:pPr>
-            <a:r>
-              <a:rPr lang="en-US" u="sng" dirty="0" smtClean="0"/>
-              <a:t>So </a:t>
-            </a:r>
-            <a:r>
-              <a:rPr lang="en-US" u="sng" dirty="0"/>
-              <a:t>far, we </a:t>
-            </a:r>
-            <a:r>
-              <a:rPr lang="en-US" dirty="0"/>
-              <a:t>use hand-crafted PubMed searches and manually filter the relevant publication</a:t>
-            </a:r>
-          </a:p>
-          <a:p>
-            <a:pPr>
-              <a:lnSpc>
-                <a:spcPct val="120000"/>
-              </a:lnSpc>
-              <a:buFont typeface="Arial"/>
-              <a:buChar char="•"/>
-            </a:pPr>
-            <a:r>
-              <a:rPr lang="en-US" u="sng" dirty="0" smtClean="0"/>
-              <a:t>But </a:t>
-            </a:r>
-            <a:r>
-              <a:rPr lang="en-US" u="sng" dirty="0"/>
-              <a:t>it does not work because </a:t>
-            </a:r>
-            <a:r>
-              <a:rPr lang="en-US" dirty="0"/>
-              <a:t>it takes us too much time &amp; we believe we miss relevant connections coming from full text</a:t>
-            </a:r>
-          </a:p>
-          <a:p>
-            <a:pPr>
-              <a:lnSpc>
-                <a:spcPct val="120000"/>
-              </a:lnSpc>
-              <a:buFont typeface="Arial"/>
-              <a:buChar char="•"/>
-            </a:pPr>
-            <a:r>
-              <a:rPr lang="en-US" u="sng" dirty="0" smtClean="0"/>
-              <a:t>Now</a:t>
-            </a:r>
-            <a:r>
-              <a:rPr lang="en-US" u="sng" dirty="0"/>
-              <a:t>, we would like to </a:t>
-            </a:r>
-            <a:r>
-              <a:rPr lang="en-US" dirty="0"/>
-              <a:t>create an NLP workflow that 1) finds brain regions and 2)</a:t>
-            </a:r>
-            <a:endParaRPr lang="en-US" dirty="0" smtClean="0"/>
-          </a:p>
-        </p:txBody>
-      </p:sp>
-    </p:spTree>
-    <p:extLst>
-      <p:ext uri="{BB962C8B-B14F-4D97-AF65-F5344CB8AC3E}">
-        <p14:creationId xmlns:p14="http://schemas.microsoft.com/office/powerpoint/2010/main" val="4051461313"/>
-      </p:ext>
-    </p:extLst>
-  </p:cSld>
-  <p:clrMapOvr>
-    <a:masterClrMapping/>
-  </p:clrMapOvr>
-  <p:timing>
-    <p:tnLst>
-      <p:par>
-        <p:cTn xmlns:p14="http://schemas.microsoft.com/office/powerpoint/2010/main" id="1" dur="indefinite" restart="never" nodeType="tmRoot"/>
-      </p:par>
-    </p:tnLst>
-  </p:timing>
-</p:sld>
-</file>
-
-<file path=ppt/slides/slide2.xml><?xml version="1.0" encoding="utf-8"?>
-<p:sld xmlns:a="http://schemas.openxmlformats.org/drawingml/2006/main" xmlns:r="http://schemas.openxmlformats.org/officeDocument/2006/relationships" xmlns:p="http://schemas.openxmlformats.org/presentationml/2006/main">
-  <p:cSld>
-    <p:spTree>
-      <p:nvGrpSpPr>
-        <p:cNvPr id="1" name=""/>
-        <p:cNvGrpSpPr/>
-        <p:nvPr/>
-      </p:nvGrpSpPr>
-      <p:grpSpPr>
-        <a:xfrm>
-          <a:off x="0" y="0"/>
-          <a:ext cx="0" cy="0"/>
-          <a:chOff x="0" y="0"/>
-          <a:chExt cx="0" cy="0"/>
-        </a:xfrm>
-      </p:grpSpPr>
-      <p:sp>
-        <p:nvSpPr>
-          <p:cNvPr id="2" name="Title 1"/>
-          <p:cNvSpPr>
-            <a:spLocks noGrp="1"/>
-          </p:cNvSpPr>
-          <p:nvPr>
-            <p:ph type="title"/>
-          </p:nvPr>
-        </p:nvSpPr>
-        <p:spPr/>
-        <p:txBody>
-          <a:bodyPr/>
-          <a:lstStyle/>
-          <a:p>
-            <a:r>
-              <a:rPr lang="en-US" dirty="0" smtClean="0"/>
-              <a:t>Agenda</a:t>
-            </a:r>
-            <a:endParaRPr lang="en-US" dirty="0"/>
-          </a:p>
-        </p:txBody>
-      </p:sp>
-      <p:sp>
-        <p:nvSpPr>
-          <p:cNvPr id="3" name="Content Placeholder 2"/>
-          <p:cNvSpPr>
-            <a:spLocks noGrp="1"/>
-          </p:cNvSpPr>
-          <p:nvPr>
-            <p:ph idx="1"/>
-          </p:nvPr>
-        </p:nvSpPr>
-        <p:spPr>
-          <a:xfrm>
-            <a:off x="457200" y="1066800"/>
-            <a:ext cx="8534400" cy="5562600"/>
-          </a:xfrm>
-        </p:spPr>
-        <p:txBody>
-          <a:bodyPr>
-            <a:normAutofit/>
-          </a:bodyPr>
-          <a:lstStyle/>
-          <a:p>
-            <a:r>
-              <a:rPr lang="en-US" dirty="0" smtClean="0"/>
-              <a:t>a</a:t>
-            </a:r>
-            <a:endParaRPr lang="en-US" dirty="0" smtClean="0"/>
-          </a:p>
-        </p:txBody>
-      </p:sp>
-    </p:spTree>
-    <p:extLst>
-      <p:ext uri="{BB962C8B-B14F-4D97-AF65-F5344CB8AC3E}">
-        <p14:creationId xmlns:p14="http://schemas.microsoft.com/office/powerpoint/2010/main" val="4128204252"/>
-      </p:ext>
-    </p:extLst>
-  </p:cSld>
-  <p:clrMapOvr>
-    <a:masterClrMapping/>
-  </p:clrMapOvr>
-  <p:timing>
-    <p:tnLst>
-      <p:par>
-        <p:cTn xmlns:p14="http://schemas.microsoft.com/office/powerpoint/2010/main" id="1" dur="indefinite" restart="never" nodeType="tmRoot"/>
-      </p:par>
-    </p:tnLst>
-  </p:timing>
-</p:sld>
-</file>
-
-<file path=ppt/slides/slide3.xml><?xml version="1.0" encoding="utf-8"?>
-<p:sld xmlns:a="http://schemas.openxmlformats.org/drawingml/2006/main" xmlns:r="http://schemas.openxmlformats.org/officeDocument/2006/relationships" xmlns:p="http://schemas.openxmlformats.org/presentationml/2006/main">
-  <p:cSld>
-    <p:spTree>
-      <p:nvGrpSpPr>
-        <p:cNvPr id="1" name=""/>
-        <p:cNvGrpSpPr/>
-        <p:nvPr/>
-      </p:nvGrpSpPr>
-      <p:grpSpPr>
-        <a:xfrm>
-          <a:off x="0" y="0"/>
-          <a:ext cx="0" cy="0"/>
-          <a:chOff x="0" y="0"/>
-          <a:chExt cx="0" cy="0"/>
-        </a:xfrm>
-      </p:grpSpPr>
-      <p:sp>
-        <p:nvSpPr>
-          <p:cNvPr id="2" name="Title 1"/>
-          <p:cNvSpPr>
-            <a:spLocks noGrp="1"/>
-          </p:cNvSpPr>
-          <p:nvPr>
-            <p:ph type="title"/>
-          </p:nvPr>
-        </p:nvSpPr>
-        <p:spPr/>
-        <p:txBody>
-          <a:bodyPr/>
-          <a:lstStyle/>
-          <a:p>
-            <a:r>
-              <a:rPr lang="en-US" dirty="0" smtClean="0"/>
-              <a:t>T</a:t>
-            </a:r>
-            <a:endParaRPr lang="en-US" dirty="0"/>
-          </a:p>
-        </p:txBody>
-      </p:sp>
-      <p:sp>
-        <p:nvSpPr>
-          <p:cNvPr id="3" name="Content Placeholder 2"/>
-          <p:cNvSpPr>
-            <a:spLocks noGrp="1"/>
-          </p:cNvSpPr>
-          <p:nvPr>
-            <p:ph idx="1"/>
-          </p:nvPr>
-        </p:nvSpPr>
-        <p:spPr>
-          <a:xfrm>
-            <a:off x="457200" y="1066800"/>
-            <a:ext cx="8534400" cy="5562600"/>
-          </a:xfrm>
-        </p:spPr>
-        <p:txBody>
-          <a:bodyPr>
-            <a:normAutofit/>
-          </a:bodyPr>
-          <a:lstStyle/>
-          <a:p>
-            <a:r>
-              <a:rPr lang="en-US" dirty="0" smtClean="0"/>
-              <a:t>a</a:t>
-            </a:r>
-            <a:endParaRPr lang="en-US" dirty="0" smtClean="0"/>
-          </a:p>
-        </p:txBody>
-      </p:sp>
-    </p:spTree>
-    <p:extLst>
-      <p:ext uri="{BB962C8B-B14F-4D97-AF65-F5344CB8AC3E}">
-        <p14:creationId xmlns:p14="http://schemas.microsoft.com/office/powerpoint/2010/main" val="1064156663"/>
-      </p:ext>
-    </p:extLst>
-  </p:cSld>
-  <p:clrMapOvr>
-    <a:masterClrMapping/>
-  </p:clrMapOvr>
-  <p:timing>
-    <p:tnLst>
-      <p:par>
-        <p:cTn xmlns:p14="http://schemas.microsoft.com/office/powerpoint/2010/main" id="1" dur="indefinite" restart="never" nodeType="tmRoot"/>
-      </p:par>
-    </p:tnLst>
-  </p:timing>
-</p:sld>
-</file>
-
-<file path=ppt/slides/slide4.xml><?xml version="1.0" encoding="utf-8"?>
-<p:sld xmlns:a="http://schemas.openxmlformats.org/drawingml/2006/main" xmlns:r="http://schemas.openxmlformats.org/officeDocument/2006/relationships" xmlns:p="http://schemas.openxmlformats.org/presentationml/2006/main">
-  <p:cSld>
-    <p:spTree>
-      <p:nvGrpSpPr>
-        <p:cNvPr id="1" name=""/>
-        <p:cNvGrpSpPr/>
-        <p:nvPr/>
-      </p:nvGrpSpPr>
-      <p:grpSpPr>
-        <a:xfrm>
-          <a:off x="0" y="0"/>
-          <a:ext cx="0" cy="0"/>
-          <a:chOff x="0" y="0"/>
-          <a:chExt cx="0" cy="0"/>
-        </a:xfrm>
-      </p:grpSpPr>
-      <p:sp>
-        <p:nvSpPr>
-          <p:cNvPr id="2" name="Title 1"/>
-          <p:cNvSpPr>
-            <a:spLocks noGrp="1"/>
-          </p:cNvSpPr>
-          <p:nvPr>
-            <p:ph type="title"/>
-          </p:nvPr>
-        </p:nvSpPr>
-        <p:spPr/>
-        <p:txBody>
-          <a:bodyPr/>
-          <a:lstStyle/>
-          <a:p>
-            <a:r>
-              <a:rPr lang="en-US" dirty="0" smtClean="0"/>
-              <a:t>T</a:t>
-            </a:r>
-            <a:endParaRPr lang="en-US" dirty="0"/>
-          </a:p>
-        </p:txBody>
-      </p:sp>
-      <p:sp>
-        <p:nvSpPr>
-          <p:cNvPr id="3" name="Content Placeholder 2"/>
-          <p:cNvSpPr>
-            <a:spLocks noGrp="1"/>
-          </p:cNvSpPr>
-          <p:nvPr>
-            <p:ph idx="1"/>
-          </p:nvPr>
-        </p:nvSpPr>
-        <p:spPr>
-          <a:xfrm>
-            <a:off x="457200" y="1066800"/>
-            <a:ext cx="8534400" cy="5562600"/>
-          </a:xfrm>
-        </p:spPr>
-        <p:txBody>
-          <a:bodyPr>
-            <a:normAutofit/>
-          </a:bodyPr>
-          <a:lstStyle/>
-          <a:p>
-            <a:r>
-              <a:rPr lang="en-US" dirty="0" smtClean="0"/>
-              <a:t>a</a:t>
-            </a:r>
-            <a:endParaRPr lang="en-US" dirty="0" smtClean="0"/>
-          </a:p>
-        </p:txBody>
-      </p:sp>
-    </p:spTree>
-    <p:extLst>
-      <p:ext uri="{BB962C8B-B14F-4D97-AF65-F5344CB8AC3E}">
-        <p14:creationId xmlns:p14="http://schemas.microsoft.com/office/powerpoint/2010/main" val="2010960544"/>
-      </p:ext>
-    </p:extLst>
-  </p:cSld>
-  <p:clrMapOvr>
-    <a:masterClrMapping/>
-  </p:clrMapOvr>
-  <p:timing>
-    <p:tnLst>
-      <p:par>
-        <p:cTn xmlns:p14="http://schemas.microsoft.com/office/powerpoint/2010/main" id="1" dur="indefinite" restart="never" nodeType="tmRoot"/>
-      </p:par>
-    </p:tnLst>
-  </p:timing>
-</p:sld>
-</file>
-
-<file path=ppt/slides/slide5.xml><?xml version="1.0" encoding="utf-8"?>
-<p:sld xmlns:a="http://schemas.openxmlformats.org/drawingml/2006/main" xmlns:r="http://schemas.openxmlformats.org/officeDocument/2006/relationships" xmlns:p="http://schemas.openxmlformats.org/presentationml/2006/main">
-  <p:cSld>
-    <p:spTree>
-      <p:nvGrpSpPr>
-        <p:cNvPr id="1" name=""/>
-        <p:cNvGrpSpPr/>
-        <p:nvPr/>
-      </p:nvGrpSpPr>
-      <p:grpSpPr>
-        <a:xfrm>
-          <a:off x="0" y="0"/>
-          <a:ext cx="0" cy="0"/>
-          <a:chOff x="0" y="0"/>
-          <a:chExt cx="0" cy="0"/>
-        </a:xfrm>
-      </p:grpSpPr>
-      <p:sp>
-        <p:nvSpPr>
-          <p:cNvPr id="2" name="Title 1"/>
-          <p:cNvSpPr>
-            <a:spLocks noGrp="1"/>
-          </p:cNvSpPr>
-          <p:nvPr>
-            <p:ph type="title"/>
-          </p:nvPr>
-        </p:nvSpPr>
-        <p:spPr/>
-        <p:txBody>
-          <a:bodyPr/>
-          <a:lstStyle/>
-          <a:p>
-            <a:r>
-              <a:rPr lang="en-US" dirty="0" smtClean="0"/>
-              <a:t>Introduction: a few principles</a:t>
-            </a:r>
-            <a:endParaRPr lang="en-US" dirty="0"/>
-          </a:p>
-        </p:txBody>
-      </p:sp>
-    </p:spTree>
-    <p:extLst>
-      <p:ext uri="{BB962C8B-B14F-4D97-AF65-F5344CB8AC3E}">
-        <p14:creationId xmlns:p14="http://schemas.microsoft.com/office/powerpoint/2010/main" val="2716468677"/>
-      </p:ext>
-    </p:extLst>
-  </p:cSld>
-  <p:clrMapOvr>
-    <a:masterClrMapping/>
-  </p:clrMapOvr>
-  <p:timing>
-    <p:tnLst>
-      <p:par>
-        <p:cTn xmlns:p14="http://schemas.microsoft.com/office/powerpoint/2010/main" id="1" dur="indefinite" restart="never" nodeType="tmRoot"/>
-      </p:par>
-    </p:tnLst>
-  </p:timing>
-</p:sld>
-</file>
-
-<file path=ppt/slides/slide6.xml><?xml version="1.0" encoding="utf-8"?>
-<p:sld xmlns:a="http://schemas.openxmlformats.org/drawingml/2006/main" xmlns:r="http://schemas.openxmlformats.org/officeDocument/2006/relationships" xmlns:p="http://schemas.openxmlformats.org/presentationml/2006/main">
-  <p:cSld>
-    <p:spTree>
-      <p:nvGrpSpPr>
-        <p:cNvPr id="1" name=""/>
-        <p:cNvGrpSpPr/>
-        <p:nvPr/>
-      </p:nvGrpSpPr>
-      <p:grpSpPr>
-        <a:xfrm>
-          <a:off x="0" y="0"/>
-          <a:ext cx="0" cy="0"/>
-          <a:chOff x="0" y="0"/>
-          <a:chExt cx="0" cy="0"/>
-        </a:xfrm>
-      </p:grpSpPr>
-      <p:sp>
-        <p:nvSpPr>
-          <p:cNvPr id="3" name="Content Placeholder 2"/>
-          <p:cNvSpPr>
-            <a:spLocks noGrp="1"/>
-          </p:cNvSpPr>
-          <p:nvPr>
-            <p:ph idx="1"/>
-          </p:nvPr>
-        </p:nvSpPr>
-        <p:spPr>
-          <a:xfrm>
-            <a:off x="152400" y="2133600"/>
-            <a:ext cx="8915400" cy="3200400"/>
-          </a:xfrm>
-        </p:spPr>
-        <p:txBody>
-          <a:bodyPr>
-            <a:normAutofit fontScale="70000" lnSpcReduction="20000"/>
-          </a:bodyPr>
-          <a:lstStyle/>
-          <a:p>
-            <a:pPr marL="0" indent="0" algn="ctr">
-              <a:buNone/>
-            </a:pPr>
-            <a:r>
-              <a:rPr lang="en-US" sz="7200" dirty="0"/>
-              <a:t>move fast and break things. unless you are breaking stuff you are not moving fast </a:t>
-            </a:r>
-            <a:r>
-              <a:rPr lang="en-US" sz="7200" dirty="0" smtClean="0"/>
-              <a:t>enough</a:t>
-            </a:r>
-          </a:p>
-          <a:p>
-            <a:pPr marL="0" indent="0" algn="r">
-              <a:buNone/>
-            </a:pPr>
-            <a:r>
-              <a:rPr lang="en-US" sz="4400" dirty="0" smtClean="0"/>
-              <a:t>M. </a:t>
-            </a:r>
-            <a:r>
-              <a:rPr lang="en-US" sz="4400" dirty="0" err="1" smtClean="0"/>
-              <a:t>Zuckerberg</a:t>
-            </a:r>
-            <a:endParaRPr lang="en-US" sz="4400" dirty="0" smtClean="0"/>
-          </a:p>
-        </p:txBody>
-      </p:sp>
-      <p:sp>
-        <p:nvSpPr>
-          <p:cNvPr id="4" name="Title 1"/>
-          <p:cNvSpPr>
-            <a:spLocks noGrp="1"/>
-          </p:cNvSpPr>
-          <p:nvPr>
-            <p:ph type="title"/>
-          </p:nvPr>
-        </p:nvSpPr>
-        <p:spPr>
-          <a:xfrm>
-            <a:off x="457200" y="274638"/>
-            <a:ext cx="8229600" cy="639762"/>
-          </a:xfrm>
-        </p:spPr>
-        <p:txBody>
-          <a:bodyPr/>
-          <a:lstStyle/>
-          <a:p>
-            <a:r>
-              <a:rPr lang="en-US" dirty="0" smtClean="0"/>
-              <a:t>Introduction: a few principles</a:t>
-            </a:r>
-            <a:endParaRPr lang="en-US" dirty="0"/>
-          </a:p>
-        </p:txBody>
-      </p:sp>
-    </p:spTree>
-    <p:extLst>
-      <p:ext uri="{BB962C8B-B14F-4D97-AF65-F5344CB8AC3E}">
-        <p14:creationId xmlns:p14="http://schemas.microsoft.com/office/powerpoint/2010/main" val="2734479769"/>
-      </p:ext>
-    </p:extLst>
-  </p:cSld>
-  <p:clrMapOvr>
-    <a:masterClrMapping/>
-  </p:clrMapOvr>
-  <p:timing>
-    <p:tnLst>
-      <p:par>
-        <p:cTn xmlns:p14="http://schemas.microsoft.com/office/powerpoint/2010/main" id="1" dur="indefinite" restart="never" nodeType="tmRoot"/>
-      </p:par>
-    </p:tnLst>
-  </p:timing>
-</p:sld>
-</file>
-
-<file path=ppt/slides/slide7.xml><?xml version="1.0" encoding="utf-8"?>
-<p:sld xmlns:a="http://schemas.openxmlformats.org/drawingml/2006/main" xmlns:r="http://schemas.openxmlformats.org/officeDocument/2006/relationships" xmlns:p="http://schemas.openxmlformats.org/presentationml/2006/main">
-  <p:cSld>
-    <p:spTree>
-      <p:nvGrpSpPr>
-        <p:cNvPr id="1" name=""/>
-        <p:cNvGrpSpPr/>
-        <p:nvPr/>
-      </p:nvGrpSpPr>
-      <p:grpSpPr>
-        <a:xfrm>
-          <a:off x="0" y="0"/>
-          <a:ext cx="0" cy="0"/>
-          <a:chOff x="0" y="0"/>
-          <a:chExt cx="0" cy="0"/>
-        </a:xfrm>
-      </p:grpSpPr>
-      <p:sp>
-        <p:nvSpPr>
-          <p:cNvPr id="3" name="Content Placeholder 2"/>
-          <p:cNvSpPr>
-            <a:spLocks noGrp="1"/>
-          </p:cNvSpPr>
-          <p:nvPr>
-            <p:ph idx="1"/>
-          </p:nvPr>
-        </p:nvSpPr>
-        <p:spPr>
-          <a:xfrm>
-            <a:off x="1295400" y="2057400"/>
-            <a:ext cx="6477000" cy="4648200"/>
-          </a:xfrm>
-        </p:spPr>
-        <p:txBody>
-          <a:bodyPr>
-            <a:normAutofit/>
-          </a:bodyPr>
-          <a:lstStyle/>
-          <a:p>
-            <a:pPr marL="0" indent="0" algn="ctr">
-              <a:buNone/>
-            </a:pPr>
-            <a:r>
-              <a:rPr lang="en-US" sz="7200" dirty="0"/>
-              <a:t>don't be </a:t>
-            </a:r>
-            <a:r>
-              <a:rPr lang="en-US" sz="7200" dirty="0" smtClean="0"/>
-              <a:t>evil</a:t>
-            </a:r>
-          </a:p>
-          <a:p>
-            <a:pPr marL="0" indent="0" algn="r">
-              <a:buNone/>
-            </a:pPr>
-            <a:r>
-              <a:rPr lang="en-US" sz="4400" dirty="0" smtClean="0"/>
-              <a:t>Google</a:t>
-            </a:r>
-            <a:endParaRPr lang="en-US" sz="4400" dirty="0" smtClean="0"/>
-          </a:p>
-        </p:txBody>
-      </p:sp>
-      <p:sp>
-        <p:nvSpPr>
-          <p:cNvPr id="5" name="Title 1"/>
-          <p:cNvSpPr>
-            <a:spLocks noGrp="1"/>
-          </p:cNvSpPr>
-          <p:nvPr>
-            <p:ph type="title"/>
-          </p:nvPr>
-        </p:nvSpPr>
-        <p:spPr>
-          <a:xfrm>
-            <a:off x="457200" y="274638"/>
-            <a:ext cx="8229600" cy="639762"/>
-          </a:xfrm>
-        </p:spPr>
-        <p:txBody>
-          <a:bodyPr/>
-          <a:lstStyle/>
-          <a:p>
-            <a:r>
-              <a:rPr lang="en-US" dirty="0" smtClean="0"/>
-              <a:t>Introduction: a few principles</a:t>
-            </a:r>
-            <a:endParaRPr lang="en-US" dirty="0"/>
-          </a:p>
-        </p:txBody>
-      </p:sp>
-    </p:spTree>
-    <p:extLst>
-      <p:ext uri="{BB962C8B-B14F-4D97-AF65-F5344CB8AC3E}">
-        <p14:creationId xmlns:p14="http://schemas.microsoft.com/office/powerpoint/2010/main" val="4194090365"/>
-      </p:ext>
-    </p:extLst>
-  </p:cSld>
-  <p:clrMapOvr>
-    <a:masterClrMapping/>
-  </p:clrMapOvr>
-  <p:timing>
-    <p:tnLst>
-      <p:par>
-        <p:cTn xmlns:p14="http://schemas.microsoft.com/office/powerpoint/2010/main" id="1" dur="indefinite" restart="never" nodeType="tmRoot"/>
-      </p:par>
-    </p:tnLst>
-  </p:timing>
-</p:sld>
-</file>
-
-<file path=ppt/slides/slide8.xml><?xml version="1.0" encoding="utf-8"?>
-<p:sld xmlns:a="http://schemas.openxmlformats.org/drawingml/2006/main" xmlns:r="http://schemas.openxmlformats.org/officeDocument/2006/relationships" xmlns:p="http://schemas.openxmlformats.org/presentationml/2006/main">
-  <p:cSld>
-    <p:spTree>
-      <p:nvGrpSpPr>
-        <p:cNvPr id="1" name=""/>
-        <p:cNvGrpSpPr/>
-        <p:nvPr/>
-      </p:nvGrpSpPr>
-      <p:grpSpPr>
-        <a:xfrm>
-          <a:off x="0" y="0"/>
-          <a:ext cx="0" cy="0"/>
-          <a:chOff x="0" y="0"/>
-          <a:chExt cx="0" cy="0"/>
-        </a:xfrm>
-      </p:grpSpPr>
-      <p:sp>
-        <p:nvSpPr>
-          <p:cNvPr id="3" name="Content Placeholder 2"/>
-          <p:cNvSpPr>
-            <a:spLocks noGrp="1"/>
-          </p:cNvSpPr>
-          <p:nvPr>
-            <p:ph idx="1"/>
-          </p:nvPr>
-        </p:nvSpPr>
-        <p:spPr>
-          <a:xfrm>
-            <a:off x="228600" y="2057400"/>
-            <a:ext cx="8534400" cy="2514600"/>
-          </a:xfrm>
-        </p:spPr>
-        <p:txBody>
-          <a:bodyPr>
-            <a:noAutofit/>
-          </a:bodyPr>
-          <a:lstStyle/>
-          <a:p>
-            <a:pPr marL="0" indent="0" algn="ctr">
-              <a:buNone/>
-            </a:pPr>
-            <a:r>
-              <a:rPr lang="en-US" sz="6000" dirty="0"/>
-              <a:t>if all else fails, you can write a </a:t>
-            </a:r>
-            <a:r>
-              <a:rPr lang="en-US" sz="6000" dirty="0" smtClean="0"/>
-              <a:t>program</a:t>
-            </a:r>
-          </a:p>
-          <a:p>
-            <a:pPr marL="0" indent="0" algn="r">
-              <a:buNone/>
-            </a:pPr>
-            <a:r>
-              <a:rPr lang="en-US" sz="3600" dirty="0" smtClean="0"/>
-              <a:t>Unknown</a:t>
-            </a:r>
-            <a:endParaRPr lang="en-US" sz="3600" dirty="0" smtClean="0"/>
-          </a:p>
-        </p:txBody>
-      </p:sp>
-      <p:sp>
-        <p:nvSpPr>
-          <p:cNvPr id="4" name="Title 1"/>
-          <p:cNvSpPr>
-            <a:spLocks noGrp="1"/>
-          </p:cNvSpPr>
-          <p:nvPr>
-            <p:ph type="title"/>
-          </p:nvPr>
-        </p:nvSpPr>
-        <p:spPr>
-          <a:xfrm>
-            <a:off x="457200" y="274638"/>
-            <a:ext cx="8229600" cy="639762"/>
-          </a:xfrm>
-        </p:spPr>
-        <p:txBody>
-          <a:bodyPr/>
-          <a:lstStyle/>
-          <a:p>
-            <a:r>
-              <a:rPr lang="en-US" dirty="0" smtClean="0"/>
-              <a:t>Introduction: a few principles</a:t>
-            </a:r>
-            <a:endParaRPr lang="en-US" dirty="0"/>
-          </a:p>
-        </p:txBody>
-      </p:sp>
-    </p:spTree>
-    <p:extLst>
-      <p:ext uri="{BB962C8B-B14F-4D97-AF65-F5344CB8AC3E}">
-        <p14:creationId xmlns:p14="http://schemas.microsoft.com/office/powerpoint/2010/main" val="3420787944"/>
-      </p:ext>
-    </p:extLst>
-  </p:cSld>
-  <p:clrMapOvr>
-    <a:masterClrMapping/>
-  </p:clrMapOvr>
-  <p:timing>
-    <p:tnLst>
-      <p:par>
-        <p:cTn xmlns:p14="http://schemas.microsoft.com/office/powerpoint/2010/main" id="1" dur="indefinite" restart="never" nodeType="tmRoot"/>
-      </p:par>
-    </p:tnLst>
-  </p:timing>
-</p:sld>
-</file>
-
-<file path=ppt/slides/slide9.xml><?xml version="1.0" encoding="utf-8"?>
-<p:sld xmlns:a="http://schemas.openxmlformats.org/drawingml/2006/main" xmlns:r="http://schemas.openxmlformats.org/officeDocument/2006/relationships" xmlns:p="http://schemas.openxmlformats.org/presentationml/2006/main">
-  <p:cSld>
-    <p:spTree>
-      <p:nvGrpSpPr>
-        <p:cNvPr id="1" name=""/>
-        <p:cNvGrpSpPr/>
-        <p:nvPr/>
-      </p:nvGrpSpPr>
-      <p:grpSpPr>
-        <a:xfrm>
-          <a:off x="0" y="0"/>
-          <a:ext cx="0" cy="0"/>
-          <a:chOff x="0" y="0"/>
-          <a:chExt cx="0" cy="0"/>
-        </a:xfrm>
-      </p:grpSpPr>
-      <p:sp>
-        <p:nvSpPr>
-          <p:cNvPr id="2" name="Title 1"/>
-          <p:cNvSpPr>
-            <a:spLocks noGrp="1"/>
-          </p:cNvSpPr>
-          <p:nvPr>
-            <p:ph type="title"/>
-          </p:nvPr>
-        </p:nvSpPr>
-        <p:spPr/>
-        <p:txBody>
-          <a:bodyPr/>
-          <a:lstStyle/>
-          <a:p>
-            <a:r>
-              <a:rPr lang="en-US" dirty="0" smtClean="0"/>
+              <a:rPr lang="en-US" dirty="0" smtClean="0">
+                <a:solidFill>
+                  <a:srgbClr val="FFFFFF"/>
+                </a:solidFill>
+              </a:rPr>
               <a:t>Introduction: Data Science</a:t>
             </a:r>
-            <a:endParaRPr lang="en-US" dirty="0"/>
+            <a:endParaRPr lang="en-US" dirty="0">
+              <a:solidFill>
+                <a:srgbClr val="FFFFFF"/>
+              </a:solidFill>
+            </a:endParaRPr>
           </a:p>
         </p:txBody>
       </p:sp>
@@ -3214,10 +2000,1552 @@
           </a:sp3d>
         </p:spPr>
       </p:pic>
+      <p:sp>
+        <p:nvSpPr>
+          <p:cNvPr id="3" name="TextBox 2"/>
+          <p:cNvSpPr txBox="1"/>
+          <p:nvPr/>
+        </p:nvSpPr>
+        <p:spPr>
+          <a:xfrm>
+            <a:off x="1118020" y="6488668"/>
+            <a:ext cx="8025980" cy="369332"/>
+          </a:xfrm>
+          <a:prstGeom prst="rect">
+            <a:avLst/>
+          </a:prstGeom>
+          <a:noFill/>
+        </p:spPr>
+        <p:txBody>
+          <a:bodyPr wrap="none" rtlCol="0">
+            <a:spAutoFit/>
+          </a:bodyPr>
+          <a:lstStyle/>
+          <a:p>
+            <a:r>
+              <a:rPr lang="en-US" dirty="0">
+                <a:solidFill>
+                  <a:srgbClr val="FFFFFF"/>
+                </a:solidFill>
+              </a:rPr>
+              <a:t>source: http://</a:t>
+            </a:r>
+            <a:r>
+              <a:rPr lang="en-US" dirty="0" err="1">
+                <a:solidFill>
+                  <a:srgbClr val="FFFFFF"/>
+                </a:solidFill>
+              </a:rPr>
+              <a:t>drewconway.com</a:t>
+            </a:r>
+            <a:r>
+              <a:rPr lang="en-US" dirty="0">
+                <a:solidFill>
+                  <a:srgbClr val="FFFFFF"/>
+                </a:solidFill>
+              </a:rPr>
+              <a:t>/</a:t>
+            </a:r>
+            <a:r>
+              <a:rPr lang="en-US" dirty="0" err="1">
+                <a:solidFill>
+                  <a:srgbClr val="FFFFFF"/>
+                </a:solidFill>
+              </a:rPr>
+              <a:t>zia</a:t>
+            </a:r>
+            <a:r>
+              <a:rPr lang="en-US" dirty="0">
+                <a:solidFill>
+                  <a:srgbClr val="FFFFFF"/>
+                </a:solidFill>
+              </a:rPr>
+              <a:t>/2013/3/26/the-data-science-</a:t>
+            </a:r>
+            <a:r>
+              <a:rPr lang="en-US" dirty="0" err="1">
+                <a:solidFill>
+                  <a:srgbClr val="FFFFFF"/>
+                </a:solidFill>
+              </a:rPr>
+              <a:t>venn</a:t>
+            </a:r>
+            <a:r>
+              <a:rPr lang="en-US" dirty="0">
+                <a:solidFill>
+                  <a:srgbClr val="FFFFFF"/>
+                </a:solidFill>
+              </a:rPr>
+              <a:t>-diagram</a:t>
+            </a:r>
+          </a:p>
+        </p:txBody>
+      </p:sp>
     </p:spTree>
     <p:extLst>
       <p:ext uri="{BB962C8B-B14F-4D97-AF65-F5344CB8AC3E}">
         <p14:creationId xmlns:p14="http://schemas.microsoft.com/office/powerpoint/2010/main" val="3301880475"/>
+      </p:ext>
+    </p:extLst>
+  </p:cSld>
+  <p:clrMapOvr>
+    <a:masterClrMapping/>
+  </p:clrMapOvr>
+  <p:timing>
+    <p:tnLst>
+      <p:par>
+        <p:cTn xmlns:p14="http://schemas.microsoft.com/office/powerpoint/2010/main" id="1" dur="indefinite" restart="never" nodeType="tmRoot"/>
+      </p:par>
+    </p:tnLst>
+  </p:timing>
+</p:sld>
+</file>
+
+<file path=ppt/slides/slide11.xml><?xml version="1.0" encoding="utf-8"?>
+<p:sld xmlns:a="http://schemas.openxmlformats.org/drawingml/2006/main" xmlns:r="http://schemas.openxmlformats.org/officeDocument/2006/relationships" xmlns:p="http://schemas.openxmlformats.org/presentationml/2006/main">
+  <p:cSld>
+    <p:spTree>
+      <p:nvGrpSpPr>
+        <p:cNvPr id="1" name=""/>
+        <p:cNvGrpSpPr/>
+        <p:nvPr/>
+      </p:nvGrpSpPr>
+      <p:grpSpPr>
+        <a:xfrm>
+          <a:off x="0" y="0"/>
+          <a:ext cx="0" cy="0"/>
+          <a:chOff x="0" y="0"/>
+          <a:chExt cx="0" cy="0"/>
+        </a:xfrm>
+      </p:grpSpPr>
+      <p:sp>
+        <p:nvSpPr>
+          <p:cNvPr id="2" name="Title 1"/>
+          <p:cNvSpPr>
+            <a:spLocks noGrp="1"/>
+          </p:cNvSpPr>
+          <p:nvPr>
+            <p:ph type="title"/>
+          </p:nvPr>
+        </p:nvSpPr>
+        <p:spPr/>
+        <p:txBody>
+          <a:bodyPr/>
+          <a:lstStyle/>
+          <a:p>
+            <a:r>
+              <a:rPr lang="en-US" dirty="0" smtClean="0"/>
+              <a:t>Introduction: Minimum Viable Product</a:t>
+            </a:r>
+            <a:endParaRPr lang="en-US" dirty="0"/>
+          </a:p>
+        </p:txBody>
+      </p:sp>
+      <p:sp>
+        <p:nvSpPr>
+          <p:cNvPr id="4" name="Rectangle 3"/>
+          <p:cNvSpPr/>
+          <p:nvPr/>
+        </p:nvSpPr>
+        <p:spPr>
+          <a:xfrm>
+            <a:off x="4087996" y="3244334"/>
+            <a:ext cx="968008" cy="369332"/>
+          </a:xfrm>
+          <a:prstGeom prst="rect">
+            <a:avLst/>
+          </a:prstGeom>
+        </p:spPr>
+        <p:txBody>
+          <a:bodyPr wrap="none">
+            <a:spAutoFit/>
+          </a:bodyPr>
+          <a:lstStyle/>
+          <a:p>
+            <a:r>
+              <a:rPr lang="en-US" dirty="0" err="1"/>
+              <a:t>mvp.jpg</a:t>
+            </a:r>
+            <a:endParaRPr lang="en-US" dirty="0"/>
+          </a:p>
+        </p:txBody>
+      </p:sp>
+      <p:pic>
+        <p:nvPicPr>
+          <p:cNvPr id="5" name="Picture 4" descr="mvp.jpg"/>
+          <p:cNvPicPr>
+            <a:picLocks noChangeAspect="1"/>
+          </p:cNvPicPr>
+          <p:nvPr/>
+        </p:nvPicPr>
+        <p:blipFill>
+          <a:blip r:embed="rId2">
+            <a:extLst>
+              <a:ext uri="{28A0092B-C50C-407E-A947-70E740481C1C}">
+                <a14:useLocalDpi xmlns:a14="http://schemas.microsoft.com/office/drawing/2010/main" val="0"/>
+              </a:ext>
+            </a:extLst>
+          </a:blip>
+          <a:stretch>
+            <a:fillRect/>
+          </a:stretch>
+        </p:blipFill>
+        <p:spPr>
+          <a:xfrm>
+            <a:off x="1295400" y="1295400"/>
+            <a:ext cx="6350000" cy="5359400"/>
+          </a:xfrm>
+          <a:prstGeom prst="rect">
+            <a:avLst/>
+          </a:prstGeom>
+        </p:spPr>
+      </p:pic>
+    </p:spTree>
+    <p:extLst>
+      <p:ext uri="{BB962C8B-B14F-4D97-AF65-F5344CB8AC3E}">
+        <p14:creationId xmlns:p14="http://schemas.microsoft.com/office/powerpoint/2010/main" val="4233395997"/>
+      </p:ext>
+    </p:extLst>
+  </p:cSld>
+  <p:clrMapOvr>
+    <a:masterClrMapping/>
+  </p:clrMapOvr>
+  <p:timing>
+    <p:tnLst>
+      <p:par>
+        <p:cTn xmlns:p14="http://schemas.microsoft.com/office/powerpoint/2010/main" id="1" dur="indefinite" restart="never" nodeType="tmRoot"/>
+      </p:par>
+    </p:tnLst>
+  </p:timing>
+</p:sld>
+</file>
+
+<file path=ppt/slides/slide2.xml><?xml version="1.0" encoding="utf-8"?>
+<p:sld xmlns:a="http://schemas.openxmlformats.org/drawingml/2006/main" xmlns:r="http://schemas.openxmlformats.org/officeDocument/2006/relationships" xmlns:p="http://schemas.openxmlformats.org/presentationml/2006/main">
+  <p:cSld>
+    <p:spTree>
+      <p:nvGrpSpPr>
+        <p:cNvPr id="1" name=""/>
+        <p:cNvGrpSpPr/>
+        <p:nvPr/>
+      </p:nvGrpSpPr>
+      <p:grpSpPr>
+        <a:xfrm>
+          <a:off x="0" y="0"/>
+          <a:ext cx="0" cy="0"/>
+          <a:chOff x="0" y="0"/>
+          <a:chExt cx="0" cy="0"/>
+        </a:xfrm>
+      </p:grpSpPr>
+      <p:sp>
+        <p:nvSpPr>
+          <p:cNvPr id="2" name="Title 1"/>
+          <p:cNvSpPr>
+            <a:spLocks noGrp="1"/>
+          </p:cNvSpPr>
+          <p:nvPr>
+            <p:ph type="title"/>
+          </p:nvPr>
+        </p:nvSpPr>
+        <p:spPr/>
+        <p:txBody>
+          <a:bodyPr/>
+          <a:lstStyle/>
+          <a:p>
+            <a:r>
+              <a:rPr lang="en-US" dirty="0" smtClean="0"/>
+              <a:t>Agenda</a:t>
+            </a:r>
+            <a:endParaRPr lang="en-US" dirty="0"/>
+          </a:p>
+        </p:txBody>
+      </p:sp>
+      <p:sp>
+        <p:nvSpPr>
+          <p:cNvPr id="3" name="Content Placeholder 2"/>
+          <p:cNvSpPr>
+            <a:spLocks noGrp="1"/>
+          </p:cNvSpPr>
+          <p:nvPr>
+            <p:ph idx="1"/>
+          </p:nvPr>
+        </p:nvSpPr>
+        <p:spPr>
+          <a:xfrm>
+            <a:off x="457200" y="1066800"/>
+            <a:ext cx="8534400" cy="5562600"/>
+          </a:xfrm>
+        </p:spPr>
+        <p:txBody>
+          <a:bodyPr>
+            <a:normAutofit fontScale="92500" lnSpcReduction="20000"/>
+          </a:bodyPr>
+          <a:lstStyle/>
+          <a:p>
+            <a:pPr marL="0" indent="0">
+              <a:buNone/>
+            </a:pPr>
+            <a:r>
+              <a:rPr lang="en-US" dirty="0"/>
+              <a:t>1) Introduction</a:t>
+            </a:r>
+          </a:p>
+          <a:p>
+            <a:pPr marL="0" indent="0">
+              <a:buNone/>
+            </a:pPr>
+            <a:r>
+              <a:rPr lang="en-US" dirty="0"/>
+              <a:t>2) Basics</a:t>
+            </a:r>
+          </a:p>
+          <a:p>
+            <a:pPr marL="457200" lvl="1" indent="0">
+              <a:buNone/>
+            </a:pPr>
+            <a:r>
+              <a:rPr lang="en-US" dirty="0"/>
+              <a:t>a) quick start with UNIX tools</a:t>
+            </a:r>
+          </a:p>
+          <a:p>
+            <a:pPr marL="457200" lvl="1" indent="0">
+              <a:buNone/>
+            </a:pPr>
+            <a:r>
+              <a:rPr lang="en-US" dirty="0"/>
+              <a:t>b) regular expressions </a:t>
+            </a:r>
+            <a:endParaRPr lang="en-US" dirty="0" smtClean="0"/>
+          </a:p>
+          <a:p>
+            <a:pPr marL="457200" lvl="1" indent="0">
+              <a:buNone/>
+            </a:pPr>
+            <a:r>
+              <a:rPr lang="en-US" dirty="0" smtClean="0"/>
+              <a:t>c</a:t>
+            </a:r>
+            <a:r>
+              <a:rPr lang="en-US" dirty="0"/>
+              <a:t>) know your text </a:t>
+            </a:r>
+            <a:r>
+              <a:rPr lang="en-US" dirty="0" smtClean="0"/>
+              <a:t>editor</a:t>
+            </a:r>
+            <a:endParaRPr lang="en-US" dirty="0"/>
+          </a:p>
+          <a:p>
+            <a:pPr marL="0" indent="0">
+              <a:buNone/>
+            </a:pPr>
+            <a:r>
+              <a:rPr lang="en-US" dirty="0"/>
+              <a:t>3) Data acquisition</a:t>
+            </a:r>
+          </a:p>
+          <a:p>
+            <a:pPr marL="457200" lvl="1" indent="0">
+              <a:buNone/>
+            </a:pPr>
+            <a:r>
+              <a:rPr lang="en-US" dirty="0"/>
+              <a:t>a) strategy, considerations, copyrights</a:t>
+            </a:r>
+          </a:p>
+          <a:p>
+            <a:pPr marL="457200" lvl="1" indent="0">
+              <a:buNone/>
+            </a:pPr>
+            <a:r>
+              <a:rPr lang="en-US" dirty="0"/>
+              <a:t>b*) crawling data from an API (PubMed)</a:t>
+            </a:r>
+          </a:p>
+          <a:p>
+            <a:pPr marL="457200" lvl="1" indent="0">
+              <a:buNone/>
+            </a:pPr>
+            <a:r>
+              <a:rPr lang="en-US" dirty="0"/>
+              <a:t>c*) scraping data from a website</a:t>
+            </a:r>
+          </a:p>
+          <a:p>
+            <a:pPr marL="0" indent="0">
+              <a:buNone/>
+            </a:pPr>
+            <a:r>
+              <a:rPr lang="en-US" dirty="0"/>
+              <a:t>4) Data processing</a:t>
+            </a:r>
+          </a:p>
+          <a:p>
+            <a:pPr marL="457200" lvl="1" indent="0">
+              <a:buNone/>
+            </a:pPr>
+            <a:r>
+              <a:rPr lang="en-US" dirty="0"/>
+              <a:t>a*) text processing with NLTK</a:t>
+            </a:r>
+          </a:p>
+          <a:p>
+            <a:pPr marL="457200" lvl="1" indent="0">
+              <a:buNone/>
+            </a:pPr>
+            <a:r>
+              <a:rPr lang="en-US" dirty="0"/>
+              <a:t>b*) full-text search with </a:t>
+            </a:r>
+            <a:r>
+              <a:rPr lang="en-US" dirty="0" err="1"/>
+              <a:t>Elasticsearch</a:t>
+            </a:r>
+            <a:endParaRPr lang="en-US" dirty="0"/>
+          </a:p>
+          <a:p>
+            <a:pPr marL="457200" lvl="1" indent="0">
+              <a:buNone/>
+            </a:pPr>
+            <a:r>
+              <a:rPr lang="en-US" dirty="0"/>
+              <a:t>c*) a sense of machine learning</a:t>
+            </a:r>
+          </a:p>
+          <a:p>
+            <a:pPr marL="457200" lvl="1" indent="0">
+              <a:buNone/>
+            </a:pPr>
+            <a:r>
+              <a:rPr lang="en-US" dirty="0"/>
+              <a:t>d*) semantic similarity with word2vec</a:t>
+            </a:r>
+          </a:p>
+          <a:p>
+            <a:pPr marL="0" indent="0">
+              <a:buNone/>
+            </a:pPr>
+            <a:r>
+              <a:rPr lang="en-US" dirty="0"/>
+              <a:t>5) Your </a:t>
+            </a:r>
+            <a:r>
+              <a:rPr lang="en-US" dirty="0" err="1"/>
+              <a:t>usecases</a:t>
+            </a:r>
+            <a:endParaRPr lang="en-US" dirty="0" smtClean="0"/>
+          </a:p>
+        </p:txBody>
+      </p:sp>
+      <p:sp>
+        <p:nvSpPr>
+          <p:cNvPr id="4" name="Rectangle 3"/>
+          <p:cNvSpPr/>
+          <p:nvPr/>
+        </p:nvSpPr>
+        <p:spPr>
+          <a:xfrm>
+            <a:off x="304800" y="4267200"/>
+            <a:ext cx="6400800" cy="2438400"/>
+          </a:xfrm>
+          <a:prstGeom prst="rect">
+            <a:avLst/>
+          </a:prstGeom>
+          <a:noFill/>
+          <a:ln>
+            <a:solidFill>
+              <a:schemeClr val="bg1"/>
+            </a:solidFill>
+          </a:ln>
+        </p:spPr>
+        <p:style>
+          <a:lnRef idx="1">
+            <a:schemeClr val="accent1"/>
+          </a:lnRef>
+          <a:fillRef idx="3">
+            <a:schemeClr val="accent1"/>
+          </a:fillRef>
+          <a:effectRef idx="2">
+            <a:schemeClr val="accent1"/>
+          </a:effectRef>
+          <a:fontRef idx="minor">
+            <a:schemeClr val="lt1"/>
+          </a:fontRef>
+        </p:style>
+        <p:txBody>
+          <a:bodyPr rtlCol="0" anchor="ctr"/>
+          <a:lstStyle/>
+          <a:p>
+            <a:pPr algn="ctr"/>
+            <a:endParaRPr lang="en-US"/>
+          </a:p>
+        </p:txBody>
+      </p:sp>
+    </p:spTree>
+    <p:extLst>
+      <p:ext uri="{BB962C8B-B14F-4D97-AF65-F5344CB8AC3E}">
+        <p14:creationId xmlns:p14="http://schemas.microsoft.com/office/powerpoint/2010/main" val="4128204252"/>
+      </p:ext>
+    </p:extLst>
+  </p:cSld>
+  <p:clrMapOvr>
+    <a:masterClrMapping/>
+  </p:clrMapOvr>
+  <p:timing>
+    <p:tnLst>
+      <p:par>
+        <p:cTn xmlns:p14="http://schemas.microsoft.com/office/powerpoint/2010/main" id="1" dur="indefinite" restart="never" nodeType="tmRoot"/>
+      </p:par>
+    </p:tnLst>
+  </p:timing>
+</p:sld>
+</file>
+
+<file path=ppt/slides/slide3.xml><?xml version="1.0" encoding="utf-8"?>
+<p:sld xmlns:a="http://schemas.openxmlformats.org/drawingml/2006/main" xmlns:r="http://schemas.openxmlformats.org/officeDocument/2006/relationships" xmlns:p="http://schemas.openxmlformats.org/presentationml/2006/main">
+  <p:cSld>
+    <p:spTree>
+      <p:nvGrpSpPr>
+        <p:cNvPr id="1" name=""/>
+        <p:cNvGrpSpPr/>
+        <p:nvPr/>
+      </p:nvGrpSpPr>
+      <p:grpSpPr>
+        <a:xfrm>
+          <a:off x="0" y="0"/>
+          <a:ext cx="0" cy="0"/>
+          <a:chOff x="0" y="0"/>
+          <a:chExt cx="0" cy="0"/>
+        </a:xfrm>
+      </p:grpSpPr>
+      <p:sp>
+        <p:nvSpPr>
+          <p:cNvPr id="2" name="Title 1"/>
+          <p:cNvSpPr>
+            <a:spLocks noGrp="1"/>
+          </p:cNvSpPr>
+          <p:nvPr>
+            <p:ph type="title"/>
+          </p:nvPr>
+        </p:nvSpPr>
+        <p:spPr/>
+        <p:txBody>
+          <a:bodyPr/>
+          <a:lstStyle/>
+          <a:p>
+            <a:r>
+              <a:rPr lang="en-US" dirty="0" smtClean="0"/>
+              <a:t>About me	</a:t>
+            </a:r>
+            <a:endParaRPr lang="en-US" dirty="0"/>
+          </a:p>
+        </p:txBody>
+      </p:sp>
+      <p:sp>
+        <p:nvSpPr>
+          <p:cNvPr id="3" name="Content Placeholder 2"/>
+          <p:cNvSpPr>
+            <a:spLocks noGrp="1"/>
+          </p:cNvSpPr>
+          <p:nvPr>
+            <p:ph idx="1"/>
+          </p:nvPr>
+        </p:nvSpPr>
+        <p:spPr>
+          <a:xfrm>
+            <a:off x="457200" y="1066800"/>
+            <a:ext cx="8534400" cy="5562600"/>
+          </a:xfrm>
+        </p:spPr>
+        <p:txBody>
+          <a:bodyPr>
+            <a:normAutofit/>
+          </a:bodyPr>
+          <a:lstStyle/>
+          <a:p>
+            <a:r>
+              <a:rPr lang="en-US" dirty="0" smtClean="0"/>
+              <a:t>PhD </a:t>
+            </a:r>
+            <a:r>
+              <a:rPr lang="en-US" dirty="0"/>
+              <a:t>from EPFL's Blue Brain </a:t>
+            </a:r>
+            <a:r>
+              <a:rPr lang="en-US" dirty="0" smtClean="0"/>
+              <a:t>project</a:t>
+            </a:r>
+          </a:p>
+          <a:p>
+            <a:r>
+              <a:rPr lang="en-US" dirty="0" smtClean="0"/>
+              <a:t>working </a:t>
+            </a:r>
+            <a:r>
+              <a:rPr lang="en-US" dirty="0"/>
+              <a:t>on large scale natural language processing applications for the biomedical </a:t>
+            </a:r>
+            <a:r>
+              <a:rPr lang="en-US" dirty="0" smtClean="0"/>
+              <a:t>domain</a:t>
+            </a:r>
+            <a:endParaRPr lang="en-US" dirty="0"/>
+          </a:p>
+          <a:p>
+            <a:r>
+              <a:rPr lang="en-US" dirty="0" smtClean="0"/>
+              <a:t>research </a:t>
+            </a:r>
+            <a:r>
+              <a:rPr lang="en-US" dirty="0"/>
+              <a:t>scientist and senior developer in Switzerland, India and in the </a:t>
+            </a:r>
+            <a:r>
+              <a:rPr lang="en-US" dirty="0" smtClean="0"/>
+              <a:t>USA</a:t>
+            </a:r>
+          </a:p>
+          <a:p>
+            <a:r>
+              <a:rPr lang="en-US" dirty="0" smtClean="0"/>
+              <a:t>Primary </a:t>
+            </a:r>
+            <a:r>
+              <a:rPr lang="en-US" dirty="0"/>
+              <a:t>fields of </a:t>
+            </a:r>
+            <a:r>
+              <a:rPr lang="en-US" dirty="0" smtClean="0"/>
+              <a:t>interests:</a:t>
+            </a:r>
+          </a:p>
+          <a:p>
+            <a:pPr lvl="1"/>
+            <a:r>
+              <a:rPr lang="en-US" dirty="0" smtClean="0"/>
+              <a:t>natural </a:t>
+            </a:r>
+            <a:r>
+              <a:rPr lang="en-US" dirty="0"/>
+              <a:t>language processing (NLP</a:t>
+            </a:r>
+            <a:r>
+              <a:rPr lang="en-US" dirty="0" smtClean="0"/>
+              <a:t>) </a:t>
+            </a:r>
+          </a:p>
+          <a:p>
+            <a:pPr lvl="1"/>
+            <a:r>
+              <a:rPr lang="en-US" dirty="0" smtClean="0"/>
+              <a:t>deep learning</a:t>
+            </a:r>
+          </a:p>
+          <a:p>
+            <a:pPr lvl="1"/>
+            <a:r>
+              <a:rPr lang="en-US" dirty="0" smtClean="0"/>
+              <a:t>big data</a:t>
+            </a:r>
+          </a:p>
+          <a:p>
+            <a:pPr lvl="1"/>
+            <a:r>
+              <a:rPr lang="en-US" dirty="0" smtClean="0"/>
+              <a:t>open </a:t>
+            </a:r>
+            <a:r>
+              <a:rPr lang="en-US" dirty="0"/>
+              <a:t>source </a:t>
+            </a:r>
+            <a:r>
+              <a:rPr lang="en-US" dirty="0" smtClean="0"/>
+              <a:t>software</a:t>
+            </a:r>
+            <a:endParaRPr lang="en-US" dirty="0" smtClean="0"/>
+          </a:p>
+        </p:txBody>
+      </p:sp>
+    </p:spTree>
+    <p:extLst>
+      <p:ext uri="{BB962C8B-B14F-4D97-AF65-F5344CB8AC3E}">
+        <p14:creationId xmlns:p14="http://schemas.microsoft.com/office/powerpoint/2010/main" val="1015978074"/>
+      </p:ext>
+    </p:extLst>
+  </p:cSld>
+  <p:clrMapOvr>
+    <a:masterClrMapping/>
+  </p:clrMapOvr>
+  <p:timing>
+    <p:tnLst>
+      <p:par>
+        <p:cTn xmlns:p14="http://schemas.microsoft.com/office/powerpoint/2010/main" id="1" dur="indefinite" restart="never" nodeType="tmRoot"/>
+      </p:par>
+    </p:tnLst>
+  </p:timing>
+</p:sld>
+</file>
+
+<file path=ppt/slides/slide4.xml><?xml version="1.0" encoding="utf-8"?>
+<p:sld xmlns:a="http://schemas.openxmlformats.org/drawingml/2006/main" xmlns:r="http://schemas.openxmlformats.org/officeDocument/2006/relationships" xmlns:p="http://schemas.openxmlformats.org/presentationml/2006/main">
+  <p:cSld>
+    <p:spTree>
+      <p:nvGrpSpPr>
+        <p:cNvPr id="1" name=""/>
+        <p:cNvGrpSpPr/>
+        <p:nvPr/>
+      </p:nvGrpSpPr>
+      <p:grpSpPr>
+        <a:xfrm>
+          <a:off x="0" y="0"/>
+          <a:ext cx="0" cy="0"/>
+          <a:chOff x="0" y="0"/>
+          <a:chExt cx="0" cy="0"/>
+        </a:xfrm>
+      </p:grpSpPr>
+      <p:sp>
+        <p:nvSpPr>
+          <p:cNvPr id="2" name="Title 1"/>
+          <p:cNvSpPr>
+            <a:spLocks noGrp="1"/>
+          </p:cNvSpPr>
+          <p:nvPr>
+            <p:ph type="title"/>
+          </p:nvPr>
+        </p:nvSpPr>
+        <p:spPr/>
+        <p:txBody>
+          <a:bodyPr>
+            <a:normAutofit fontScale="90000"/>
+          </a:bodyPr>
+          <a:lstStyle/>
+          <a:p>
+            <a:r>
+              <a:rPr lang="en-US" dirty="0" smtClean="0"/>
+              <a:t>About you: put your hands up if you know about:</a:t>
+            </a:r>
+            <a:endParaRPr lang="en-US" dirty="0"/>
+          </a:p>
+        </p:txBody>
+      </p:sp>
+      <p:sp>
+        <p:nvSpPr>
+          <p:cNvPr id="3" name="Content Placeholder 2"/>
+          <p:cNvSpPr>
+            <a:spLocks noGrp="1"/>
+          </p:cNvSpPr>
+          <p:nvPr>
+            <p:ph idx="1"/>
+          </p:nvPr>
+        </p:nvSpPr>
+        <p:spPr>
+          <a:xfrm>
+            <a:off x="76200" y="1066800"/>
+            <a:ext cx="8915400" cy="5562600"/>
+          </a:xfrm>
+        </p:spPr>
+        <p:txBody>
+          <a:bodyPr numCol="1">
+            <a:normAutofit/>
+          </a:bodyPr>
+          <a:lstStyle/>
+          <a:p>
+            <a:r>
+              <a:rPr lang="en-US" dirty="0" smtClean="0"/>
+              <a:t>writing a simple program in an interpreted language</a:t>
+            </a:r>
+          </a:p>
+          <a:p>
+            <a:r>
+              <a:rPr lang="en-US" dirty="0" smtClean="0"/>
+              <a:t>creating an html page</a:t>
+            </a:r>
+          </a:p>
+          <a:p>
+            <a:r>
+              <a:rPr lang="en-US" dirty="0" smtClean="0"/>
+              <a:t>with some </a:t>
+            </a:r>
+            <a:r>
+              <a:rPr lang="en-US" dirty="0" err="1" smtClean="0"/>
+              <a:t>Javascript</a:t>
+            </a:r>
+            <a:endParaRPr lang="en-US" dirty="0" smtClean="0"/>
+          </a:p>
+          <a:p>
+            <a:r>
+              <a:rPr lang="en-US" dirty="0" smtClean="0"/>
+              <a:t>using regular expressions</a:t>
+            </a:r>
+          </a:p>
+          <a:p>
+            <a:r>
+              <a:rPr lang="en-US" dirty="0" err="1"/>
+              <a:t>p</a:t>
+            </a:r>
+            <a:r>
+              <a:rPr lang="en-US" dirty="0" err="1" smtClean="0"/>
+              <a:t>rogramatically</a:t>
+            </a:r>
+            <a:r>
+              <a:rPr lang="en-US" dirty="0" smtClean="0"/>
+              <a:t> accessing a public API</a:t>
+            </a:r>
+          </a:p>
+          <a:p>
+            <a:r>
+              <a:rPr lang="en-US" dirty="0" smtClean="0"/>
+              <a:t>part-of-speech tagging</a:t>
+            </a:r>
+          </a:p>
+          <a:p>
+            <a:r>
+              <a:rPr lang="en-US" dirty="0" smtClean="0"/>
+              <a:t>stemming</a:t>
+            </a:r>
+          </a:p>
+          <a:p>
+            <a:r>
+              <a:rPr lang="en-US" dirty="0" smtClean="0"/>
+              <a:t>inverted </a:t>
+            </a:r>
+            <a:r>
+              <a:rPr lang="en-US" dirty="0"/>
+              <a:t>index</a:t>
+            </a:r>
+          </a:p>
+          <a:p>
+            <a:r>
+              <a:rPr lang="en-US" dirty="0" err="1" smtClean="0"/>
+              <a:t>ElasticSearch</a:t>
+            </a:r>
+            <a:endParaRPr lang="en-US" dirty="0" smtClean="0"/>
+          </a:p>
+          <a:p>
+            <a:r>
+              <a:rPr lang="en-US" dirty="0"/>
+              <a:t>w</a:t>
+            </a:r>
+            <a:r>
+              <a:rPr lang="en-US" dirty="0" smtClean="0"/>
+              <a:t>ord2vec</a:t>
+            </a:r>
+          </a:p>
+          <a:p>
+            <a:endParaRPr lang="en-US" dirty="0" smtClean="0"/>
+          </a:p>
+          <a:p>
+            <a:endParaRPr lang="en-US" dirty="0" smtClean="0"/>
+          </a:p>
+        </p:txBody>
+      </p:sp>
+    </p:spTree>
+    <p:extLst>
+      <p:ext uri="{BB962C8B-B14F-4D97-AF65-F5344CB8AC3E}">
+        <p14:creationId xmlns:p14="http://schemas.microsoft.com/office/powerpoint/2010/main" val="1437876242"/>
+      </p:ext>
+    </p:extLst>
+  </p:cSld>
+  <p:clrMapOvr>
+    <a:masterClrMapping/>
+  </p:clrMapOvr>
+  <p:timing>
+    <p:tnLst>
+      <p:par>
+        <p:cTn xmlns:p14="http://schemas.microsoft.com/office/powerpoint/2010/main" id="1" dur="indefinite" restart="never" nodeType="tmRoot"/>
+      </p:par>
+    </p:tnLst>
+  </p:timing>
+</p:sld>
+</file>
+
+<file path=ppt/slides/slide5.xml><?xml version="1.0" encoding="utf-8"?>
+<p:sld xmlns:a="http://schemas.openxmlformats.org/drawingml/2006/main" xmlns:r="http://schemas.openxmlformats.org/officeDocument/2006/relationships" xmlns:p="http://schemas.openxmlformats.org/presentationml/2006/main">
+  <p:cSld>
+    <p:spTree>
+      <p:nvGrpSpPr>
+        <p:cNvPr id="1" name=""/>
+        <p:cNvGrpSpPr/>
+        <p:nvPr/>
+      </p:nvGrpSpPr>
+      <p:grpSpPr>
+        <a:xfrm>
+          <a:off x="0" y="0"/>
+          <a:ext cx="0" cy="0"/>
+          <a:chOff x="0" y="0"/>
+          <a:chExt cx="0" cy="0"/>
+        </a:xfrm>
+      </p:grpSpPr>
+      <p:sp>
+        <p:nvSpPr>
+          <p:cNvPr id="6" name="Rectangle 5"/>
+          <p:cNvSpPr/>
+          <p:nvPr/>
+        </p:nvSpPr>
+        <p:spPr>
+          <a:xfrm>
+            <a:off x="914400" y="1371600"/>
+            <a:ext cx="7696200" cy="3962400"/>
+          </a:xfrm>
+          <a:prstGeom prst="rect">
+            <a:avLst/>
+          </a:prstGeom>
+        </p:spPr>
+        <p:style>
+          <a:lnRef idx="2">
+            <a:schemeClr val="dk1"/>
+          </a:lnRef>
+          <a:fillRef idx="1">
+            <a:schemeClr val="lt1"/>
+          </a:fillRef>
+          <a:effectRef idx="0">
+            <a:schemeClr val="dk1"/>
+          </a:effectRef>
+          <a:fontRef idx="minor">
+            <a:schemeClr val="dk1"/>
+          </a:fontRef>
+        </p:style>
+        <p:txBody>
+          <a:bodyPr rtlCol="0" anchor="ctr"/>
+          <a:lstStyle/>
+          <a:p>
+            <a:pPr algn="ctr"/>
+            <a:endParaRPr lang="en-US"/>
+          </a:p>
+        </p:txBody>
+      </p:sp>
+      <p:sp>
+        <p:nvSpPr>
+          <p:cNvPr id="2" name="Title 1"/>
+          <p:cNvSpPr>
+            <a:spLocks noGrp="1"/>
+          </p:cNvSpPr>
+          <p:nvPr>
+            <p:ph type="title"/>
+          </p:nvPr>
+        </p:nvSpPr>
+        <p:spPr/>
+        <p:txBody>
+          <a:bodyPr/>
+          <a:lstStyle/>
+          <a:p>
+            <a:r>
+              <a:rPr lang="en-US" dirty="0" smtClean="0"/>
+              <a:t>Today: a broad overview</a:t>
+            </a:r>
+            <a:endParaRPr lang="en-US" dirty="0"/>
+          </a:p>
+        </p:txBody>
+      </p:sp>
+      <p:sp>
+        <p:nvSpPr>
+          <p:cNvPr id="3" name="Content Placeholder 2"/>
+          <p:cNvSpPr>
+            <a:spLocks noGrp="1"/>
+          </p:cNvSpPr>
+          <p:nvPr>
+            <p:ph idx="1"/>
+          </p:nvPr>
+        </p:nvSpPr>
+        <p:spPr>
+          <a:xfrm>
+            <a:off x="1219200" y="1600200"/>
+            <a:ext cx="7086600" cy="3429000"/>
+          </a:xfrm>
+        </p:spPr>
+        <p:txBody>
+          <a:bodyPr>
+            <a:normAutofit/>
+          </a:bodyPr>
+          <a:lstStyle/>
+          <a:p>
+            <a:pPr marL="0" indent="0" algn="ctr">
+              <a:buNone/>
+            </a:pPr>
+            <a:endParaRPr lang="en-US" dirty="0" smtClean="0">
+              <a:solidFill>
+                <a:schemeClr val="tx1"/>
+              </a:solidFill>
+            </a:endParaRPr>
+          </a:p>
+          <a:p>
+            <a:pPr marL="0" indent="0" algn="ctr">
+              <a:buNone/>
+            </a:pPr>
+            <a:r>
+              <a:rPr lang="en-US" dirty="0" smtClean="0">
+                <a:solidFill>
+                  <a:schemeClr val="tx1"/>
+                </a:solidFill>
+              </a:rPr>
+              <a:t>Everything there is about text mining</a:t>
+            </a:r>
+          </a:p>
+          <a:p>
+            <a:pPr marL="0" indent="0" algn="ctr">
+              <a:buNone/>
+            </a:pPr>
+            <a:endParaRPr lang="en-US" dirty="0">
+              <a:solidFill>
+                <a:schemeClr val="tx1"/>
+              </a:solidFill>
+            </a:endParaRPr>
+          </a:p>
+          <a:p>
+            <a:pPr marL="0" indent="0" algn="ctr">
+              <a:buNone/>
+            </a:pPr>
+            <a:endParaRPr lang="en-US" dirty="0" smtClean="0">
+              <a:solidFill>
+                <a:schemeClr val="tx1"/>
+              </a:solidFill>
+            </a:endParaRPr>
+          </a:p>
+          <a:p>
+            <a:pPr marL="0" indent="0" algn="ctr">
+              <a:buNone/>
+            </a:pPr>
+            <a:r>
+              <a:rPr lang="en-US" dirty="0" smtClean="0">
+                <a:solidFill>
+                  <a:schemeClr val="tx1"/>
+                </a:solidFill>
+              </a:rPr>
+              <a:t>What we will work on today</a:t>
+            </a:r>
+            <a:endParaRPr lang="en-US" dirty="0" smtClean="0">
+              <a:solidFill>
+                <a:schemeClr val="tx1"/>
+              </a:solidFill>
+            </a:endParaRPr>
+          </a:p>
+        </p:txBody>
+      </p:sp>
+      <p:pic>
+        <p:nvPicPr>
+          <p:cNvPr id="4" name="Picture 3" descr="00-scope-1.png"/>
+          <p:cNvPicPr>
+            <a:picLocks noChangeAspect="1"/>
+          </p:cNvPicPr>
+          <p:nvPr/>
+        </p:nvPicPr>
+        <p:blipFill>
+          <a:blip r:embed="rId2">
+            <a:extLst>
+              <a:ext uri="{28A0092B-C50C-407E-A947-70E740481C1C}">
+                <a14:useLocalDpi xmlns:a14="http://schemas.microsoft.com/office/drawing/2010/main" val="0"/>
+              </a:ext>
+            </a:extLst>
+          </a:blip>
+          <a:stretch>
+            <a:fillRect/>
+          </a:stretch>
+        </p:blipFill>
+        <p:spPr>
+          <a:xfrm>
+            <a:off x="1778000" y="4318000"/>
+            <a:ext cx="5588000" cy="330200"/>
+          </a:xfrm>
+          <a:prstGeom prst="rect">
+            <a:avLst/>
+          </a:prstGeom>
+        </p:spPr>
+      </p:pic>
+      <p:pic>
+        <p:nvPicPr>
+          <p:cNvPr id="5" name="Picture 4" descr="00-scope-0.png"/>
+          <p:cNvPicPr>
+            <a:picLocks noChangeAspect="1"/>
+          </p:cNvPicPr>
+          <p:nvPr/>
+        </p:nvPicPr>
+        <p:blipFill>
+          <a:blip r:embed="rId3">
+            <a:extLst>
+              <a:ext uri="{28A0092B-C50C-407E-A947-70E740481C1C}">
+                <a14:useLocalDpi xmlns:a14="http://schemas.microsoft.com/office/drawing/2010/main" val="0"/>
+              </a:ext>
+            </a:extLst>
+          </a:blip>
+          <a:stretch>
+            <a:fillRect/>
+          </a:stretch>
+        </p:blipFill>
+        <p:spPr>
+          <a:xfrm>
+            <a:off x="1752600" y="2794000"/>
+            <a:ext cx="5588000" cy="330200"/>
+          </a:xfrm>
+          <a:prstGeom prst="rect">
+            <a:avLst/>
+          </a:prstGeom>
+        </p:spPr>
+      </p:pic>
+      <p:sp>
+        <p:nvSpPr>
+          <p:cNvPr id="7" name="TextBox 6"/>
+          <p:cNvSpPr txBox="1"/>
+          <p:nvPr/>
+        </p:nvSpPr>
+        <p:spPr>
+          <a:xfrm>
+            <a:off x="3962400" y="6412468"/>
+            <a:ext cx="5099210" cy="369332"/>
+          </a:xfrm>
+          <a:prstGeom prst="rect">
+            <a:avLst/>
+          </a:prstGeom>
+          <a:noFill/>
+        </p:spPr>
+        <p:txBody>
+          <a:bodyPr wrap="none" rtlCol="0">
+            <a:spAutoFit/>
+          </a:bodyPr>
+          <a:lstStyle/>
+          <a:p>
+            <a:r>
+              <a:rPr lang="en-US" dirty="0">
+                <a:solidFill>
+                  <a:schemeClr val="bg1"/>
+                </a:solidFill>
+              </a:rPr>
+              <a:t>source: http://</a:t>
+            </a:r>
+            <a:r>
+              <a:rPr lang="en-US" dirty="0" err="1">
+                <a:solidFill>
+                  <a:schemeClr val="bg1"/>
+                </a:solidFill>
+              </a:rPr>
+              <a:t>worrydream.com</a:t>
+            </a:r>
+            <a:r>
+              <a:rPr lang="en-US" dirty="0">
+                <a:solidFill>
+                  <a:schemeClr val="bg1"/>
+                </a:solidFill>
+              </a:rPr>
+              <a:t>/</a:t>
+            </a:r>
+            <a:r>
+              <a:rPr lang="en-US" dirty="0" err="1">
+                <a:solidFill>
+                  <a:schemeClr val="bg1"/>
+                </a:solidFill>
+              </a:rPr>
+              <a:t>ClimateChange</a:t>
+            </a:r>
+            <a:r>
+              <a:rPr lang="en-US" dirty="0">
+                <a:solidFill>
+                  <a:schemeClr val="bg1"/>
+                </a:solidFill>
+              </a:rPr>
+              <a:t>/</a:t>
+            </a:r>
+          </a:p>
+        </p:txBody>
+      </p:sp>
+    </p:spTree>
+    <p:extLst>
+      <p:ext uri="{BB962C8B-B14F-4D97-AF65-F5344CB8AC3E}">
+        <p14:creationId xmlns:p14="http://schemas.microsoft.com/office/powerpoint/2010/main" val="1064156663"/>
+      </p:ext>
+    </p:extLst>
+  </p:cSld>
+  <p:clrMapOvr>
+    <a:masterClrMapping/>
+  </p:clrMapOvr>
+  <p:timing>
+    <p:tnLst>
+      <p:par>
+        <p:cTn xmlns:p14="http://schemas.microsoft.com/office/powerpoint/2010/main" id="1" dur="indefinite" restart="never" nodeType="tmRoot"/>
+      </p:par>
+    </p:tnLst>
+  </p:timing>
+</p:sld>
+</file>
+
+<file path=ppt/slides/slide6.xml><?xml version="1.0" encoding="utf-8"?>
+<p:sld xmlns:a="http://schemas.openxmlformats.org/drawingml/2006/main" xmlns:r="http://schemas.openxmlformats.org/officeDocument/2006/relationships" xmlns:p="http://schemas.openxmlformats.org/presentationml/2006/main">
+  <p:cSld>
+    <p:spTree>
+      <p:nvGrpSpPr>
+        <p:cNvPr id="1" name=""/>
+        <p:cNvGrpSpPr/>
+        <p:nvPr/>
+      </p:nvGrpSpPr>
+      <p:grpSpPr>
+        <a:xfrm>
+          <a:off x="0" y="0"/>
+          <a:ext cx="0" cy="0"/>
+          <a:chOff x="0" y="0"/>
+          <a:chExt cx="0" cy="0"/>
+        </a:xfrm>
+      </p:grpSpPr>
+      <p:sp>
+        <p:nvSpPr>
+          <p:cNvPr id="2" name="Title 1"/>
+          <p:cNvSpPr>
+            <a:spLocks noGrp="1"/>
+          </p:cNvSpPr>
+          <p:nvPr>
+            <p:ph type="title"/>
+          </p:nvPr>
+        </p:nvSpPr>
+        <p:spPr/>
+        <p:txBody>
+          <a:bodyPr/>
+          <a:lstStyle/>
+          <a:p>
+            <a:r>
+              <a:rPr lang="en-US" dirty="0" smtClean="0"/>
+              <a:t>Introduction: a few principles</a:t>
+            </a:r>
+            <a:endParaRPr lang="en-US" dirty="0"/>
+          </a:p>
+        </p:txBody>
+      </p:sp>
+    </p:spTree>
+    <p:extLst>
+      <p:ext uri="{BB962C8B-B14F-4D97-AF65-F5344CB8AC3E}">
+        <p14:creationId xmlns:p14="http://schemas.microsoft.com/office/powerpoint/2010/main" val="2716468677"/>
+      </p:ext>
+    </p:extLst>
+  </p:cSld>
+  <p:clrMapOvr>
+    <a:masterClrMapping/>
+  </p:clrMapOvr>
+  <p:timing>
+    <p:tnLst>
+      <p:par>
+        <p:cTn xmlns:p14="http://schemas.microsoft.com/office/powerpoint/2010/main" id="1" dur="indefinite" restart="never" nodeType="tmRoot"/>
+      </p:par>
+    </p:tnLst>
+  </p:timing>
+</p:sld>
+</file>
+
+<file path=ppt/slides/slide7.xml><?xml version="1.0" encoding="utf-8"?>
+<p:sld xmlns:a="http://schemas.openxmlformats.org/drawingml/2006/main" xmlns:r="http://schemas.openxmlformats.org/officeDocument/2006/relationships" xmlns:p="http://schemas.openxmlformats.org/presentationml/2006/main">
+  <p:cSld>
+    <p:spTree>
+      <p:nvGrpSpPr>
+        <p:cNvPr id="1" name=""/>
+        <p:cNvGrpSpPr/>
+        <p:nvPr/>
+      </p:nvGrpSpPr>
+      <p:grpSpPr>
+        <a:xfrm>
+          <a:off x="0" y="0"/>
+          <a:ext cx="0" cy="0"/>
+          <a:chOff x="0" y="0"/>
+          <a:chExt cx="0" cy="0"/>
+        </a:xfrm>
+      </p:grpSpPr>
+      <p:sp>
+        <p:nvSpPr>
+          <p:cNvPr id="3" name="Content Placeholder 2"/>
+          <p:cNvSpPr>
+            <a:spLocks noGrp="1"/>
+          </p:cNvSpPr>
+          <p:nvPr>
+            <p:ph idx="1"/>
+          </p:nvPr>
+        </p:nvSpPr>
+        <p:spPr>
+          <a:xfrm>
+            <a:off x="152400" y="2133600"/>
+            <a:ext cx="8915400" cy="3200400"/>
+          </a:xfrm>
+        </p:spPr>
+        <p:txBody>
+          <a:bodyPr>
+            <a:normAutofit fontScale="70000" lnSpcReduction="20000"/>
+          </a:bodyPr>
+          <a:lstStyle/>
+          <a:p>
+            <a:pPr marL="0" indent="0" algn="ctr">
+              <a:buNone/>
+            </a:pPr>
+            <a:r>
+              <a:rPr lang="en-US" sz="7200" dirty="0"/>
+              <a:t>move fast and break things. unless you are breaking stuff you are not moving fast </a:t>
+            </a:r>
+            <a:r>
+              <a:rPr lang="en-US" sz="7200" dirty="0" smtClean="0"/>
+              <a:t>enough</a:t>
+            </a:r>
+          </a:p>
+          <a:p>
+            <a:pPr marL="0" indent="0" algn="r">
+              <a:buNone/>
+            </a:pPr>
+            <a:r>
+              <a:rPr lang="en-US" sz="4400" dirty="0" smtClean="0"/>
+              <a:t>M. </a:t>
+            </a:r>
+            <a:r>
+              <a:rPr lang="en-US" sz="4400" dirty="0" err="1" smtClean="0"/>
+              <a:t>Zuckerberg</a:t>
+            </a:r>
+            <a:endParaRPr lang="en-US" sz="4400" dirty="0" smtClean="0"/>
+          </a:p>
+        </p:txBody>
+      </p:sp>
+      <p:sp>
+        <p:nvSpPr>
+          <p:cNvPr id="4" name="Title 1"/>
+          <p:cNvSpPr>
+            <a:spLocks noGrp="1"/>
+          </p:cNvSpPr>
+          <p:nvPr>
+            <p:ph type="title"/>
+          </p:nvPr>
+        </p:nvSpPr>
+        <p:spPr>
+          <a:xfrm>
+            <a:off x="457200" y="274638"/>
+            <a:ext cx="8229600" cy="639762"/>
+          </a:xfrm>
+        </p:spPr>
+        <p:txBody>
+          <a:bodyPr/>
+          <a:lstStyle/>
+          <a:p>
+            <a:r>
+              <a:rPr lang="en-US" dirty="0" smtClean="0"/>
+              <a:t>Introduction: a few principles</a:t>
+            </a:r>
+            <a:endParaRPr lang="en-US" dirty="0"/>
+          </a:p>
+        </p:txBody>
+      </p:sp>
+    </p:spTree>
+    <p:extLst>
+      <p:ext uri="{BB962C8B-B14F-4D97-AF65-F5344CB8AC3E}">
+        <p14:creationId xmlns:p14="http://schemas.microsoft.com/office/powerpoint/2010/main" val="2734479769"/>
+      </p:ext>
+    </p:extLst>
+  </p:cSld>
+  <p:clrMapOvr>
+    <a:masterClrMapping/>
+  </p:clrMapOvr>
+  <p:timing>
+    <p:tnLst>
+      <p:par>
+        <p:cTn xmlns:p14="http://schemas.microsoft.com/office/powerpoint/2010/main" id="1" dur="indefinite" restart="never" nodeType="tmRoot"/>
+      </p:par>
+    </p:tnLst>
+  </p:timing>
+</p:sld>
+</file>
+
+<file path=ppt/slides/slide8.xml><?xml version="1.0" encoding="utf-8"?>
+<p:sld xmlns:a="http://schemas.openxmlformats.org/drawingml/2006/main" xmlns:r="http://schemas.openxmlformats.org/officeDocument/2006/relationships" xmlns:p="http://schemas.openxmlformats.org/presentationml/2006/main">
+  <p:cSld>
+    <p:spTree>
+      <p:nvGrpSpPr>
+        <p:cNvPr id="1" name=""/>
+        <p:cNvGrpSpPr/>
+        <p:nvPr/>
+      </p:nvGrpSpPr>
+      <p:grpSpPr>
+        <a:xfrm>
+          <a:off x="0" y="0"/>
+          <a:ext cx="0" cy="0"/>
+          <a:chOff x="0" y="0"/>
+          <a:chExt cx="0" cy="0"/>
+        </a:xfrm>
+      </p:grpSpPr>
+      <p:sp>
+        <p:nvSpPr>
+          <p:cNvPr id="3" name="Content Placeholder 2"/>
+          <p:cNvSpPr>
+            <a:spLocks noGrp="1"/>
+          </p:cNvSpPr>
+          <p:nvPr>
+            <p:ph idx="1"/>
+          </p:nvPr>
+        </p:nvSpPr>
+        <p:spPr>
+          <a:xfrm>
+            <a:off x="1295400" y="2057400"/>
+            <a:ext cx="6477000" cy="4648200"/>
+          </a:xfrm>
+        </p:spPr>
+        <p:txBody>
+          <a:bodyPr>
+            <a:normAutofit/>
+          </a:bodyPr>
+          <a:lstStyle/>
+          <a:p>
+            <a:pPr marL="0" indent="0" algn="ctr">
+              <a:buNone/>
+            </a:pPr>
+            <a:r>
+              <a:rPr lang="en-US" sz="7200" dirty="0"/>
+              <a:t>don't be </a:t>
+            </a:r>
+            <a:r>
+              <a:rPr lang="en-US" sz="7200" dirty="0" smtClean="0"/>
+              <a:t>evil</a:t>
+            </a:r>
+          </a:p>
+          <a:p>
+            <a:pPr marL="0" indent="0" algn="r">
+              <a:buNone/>
+            </a:pPr>
+            <a:r>
+              <a:rPr lang="en-US" sz="4400" dirty="0" smtClean="0"/>
+              <a:t>Google</a:t>
+            </a:r>
+          </a:p>
+        </p:txBody>
+      </p:sp>
+      <p:sp>
+        <p:nvSpPr>
+          <p:cNvPr id="5" name="Title 1"/>
+          <p:cNvSpPr>
+            <a:spLocks noGrp="1"/>
+          </p:cNvSpPr>
+          <p:nvPr>
+            <p:ph type="title"/>
+          </p:nvPr>
+        </p:nvSpPr>
+        <p:spPr>
+          <a:xfrm>
+            <a:off x="457200" y="274638"/>
+            <a:ext cx="8229600" cy="639762"/>
+          </a:xfrm>
+        </p:spPr>
+        <p:txBody>
+          <a:bodyPr/>
+          <a:lstStyle/>
+          <a:p>
+            <a:r>
+              <a:rPr lang="en-US" dirty="0" smtClean="0"/>
+              <a:t>Introduction: a few principles</a:t>
+            </a:r>
+            <a:endParaRPr lang="en-US" dirty="0"/>
+          </a:p>
+        </p:txBody>
+      </p:sp>
+    </p:spTree>
+    <p:extLst>
+      <p:ext uri="{BB962C8B-B14F-4D97-AF65-F5344CB8AC3E}">
+        <p14:creationId xmlns:p14="http://schemas.microsoft.com/office/powerpoint/2010/main" val="4194090365"/>
+      </p:ext>
+    </p:extLst>
+  </p:cSld>
+  <p:clrMapOvr>
+    <a:masterClrMapping/>
+  </p:clrMapOvr>
+  <p:timing>
+    <p:tnLst>
+      <p:par>
+        <p:cTn xmlns:p14="http://schemas.microsoft.com/office/powerpoint/2010/main" id="1" dur="indefinite" restart="never" nodeType="tmRoot"/>
+      </p:par>
+    </p:tnLst>
+  </p:timing>
+</p:sld>
+</file>
+
+<file path=ppt/slides/slide9.xml><?xml version="1.0" encoding="utf-8"?>
+<p:sld xmlns:a="http://schemas.openxmlformats.org/drawingml/2006/main" xmlns:r="http://schemas.openxmlformats.org/officeDocument/2006/relationships" xmlns:p="http://schemas.openxmlformats.org/presentationml/2006/main">
+  <p:cSld>
+    <p:spTree>
+      <p:nvGrpSpPr>
+        <p:cNvPr id="1" name=""/>
+        <p:cNvGrpSpPr/>
+        <p:nvPr/>
+      </p:nvGrpSpPr>
+      <p:grpSpPr>
+        <a:xfrm>
+          <a:off x="0" y="0"/>
+          <a:ext cx="0" cy="0"/>
+          <a:chOff x="0" y="0"/>
+          <a:chExt cx="0" cy="0"/>
+        </a:xfrm>
+      </p:grpSpPr>
+      <p:sp>
+        <p:nvSpPr>
+          <p:cNvPr id="3" name="Content Placeholder 2"/>
+          <p:cNvSpPr>
+            <a:spLocks noGrp="1"/>
+          </p:cNvSpPr>
+          <p:nvPr>
+            <p:ph idx="1"/>
+          </p:nvPr>
+        </p:nvSpPr>
+        <p:spPr>
+          <a:xfrm>
+            <a:off x="228600" y="2057400"/>
+            <a:ext cx="8534400" cy="2514600"/>
+          </a:xfrm>
+        </p:spPr>
+        <p:txBody>
+          <a:bodyPr>
+            <a:noAutofit/>
+          </a:bodyPr>
+          <a:lstStyle/>
+          <a:p>
+            <a:pPr marL="0" indent="0" algn="ctr">
+              <a:buNone/>
+            </a:pPr>
+            <a:r>
+              <a:rPr lang="en-US" sz="6000" dirty="0"/>
+              <a:t>if all else fails, you can write a </a:t>
+            </a:r>
+            <a:r>
+              <a:rPr lang="en-US" sz="6000" dirty="0" smtClean="0"/>
+              <a:t>program</a:t>
+            </a:r>
+          </a:p>
+          <a:p>
+            <a:pPr marL="0" indent="0" algn="r">
+              <a:buNone/>
+            </a:pPr>
+            <a:r>
+              <a:rPr lang="en-US" sz="3600" dirty="0" smtClean="0"/>
+              <a:t>Unknown</a:t>
+            </a:r>
+          </a:p>
+        </p:txBody>
+      </p:sp>
+      <p:sp>
+        <p:nvSpPr>
+          <p:cNvPr id="4" name="Title 1"/>
+          <p:cNvSpPr>
+            <a:spLocks noGrp="1"/>
+          </p:cNvSpPr>
+          <p:nvPr>
+            <p:ph type="title"/>
+          </p:nvPr>
+        </p:nvSpPr>
+        <p:spPr>
+          <a:xfrm>
+            <a:off x="457200" y="274638"/>
+            <a:ext cx="8229600" cy="639762"/>
+          </a:xfrm>
+        </p:spPr>
+        <p:txBody>
+          <a:bodyPr/>
+          <a:lstStyle/>
+          <a:p>
+            <a:r>
+              <a:rPr lang="en-US" dirty="0" smtClean="0"/>
+              <a:t>Introduction: a few principles</a:t>
+            </a:r>
+            <a:endParaRPr lang="en-US" dirty="0"/>
+          </a:p>
+        </p:txBody>
+      </p:sp>
+    </p:spTree>
+    <p:extLst>
+      <p:ext uri="{BB962C8B-B14F-4D97-AF65-F5344CB8AC3E}">
+        <p14:creationId xmlns:p14="http://schemas.microsoft.com/office/powerpoint/2010/main" val="3420787944"/>
       </p:ext>
     </p:extLst>
   </p:cSld>
